--- a/04_Praesentation/01_Einzelteile/Chris_The-Gate-T6-Praesentation.pptx
+++ b/04_Praesentation/01_Einzelteile/Chris_The-Gate-T6-Praesentation.pptx
@@ -4,11 +4,13 @@
   <p:sldMasterIdLst>
     <p:sldMasterId id="2147483648" r:id="rId1"/>
   </p:sldMasterIdLst>
+  <p:notesMasterIdLst>
+    <p:notesMasterId r:id="rId5"/>
+  </p:notesMasterIdLst>
   <p:sldIdLst>
-    <p:sldId id="256" r:id="rId2"/>
-    <p:sldId id="257" r:id="rId3"/>
-    <p:sldId id="259" r:id="rId4"/>
-    <p:sldId id="258" r:id="rId5"/>
+    <p:sldId id="260" r:id="rId2"/>
+    <p:sldId id="261" r:id="rId3"/>
+    <p:sldId id="262" r:id="rId4"/>
   </p:sldIdLst>
   <p:sldSz cx="12192000" cy="6858000"/>
   <p:notesSz cx="6858000" cy="9144000"/>
@@ -110,6 +112,473 @@
 </p:presentation>
 </file>
 
+<file path=ppt/notesMasters/notesMaster1.xml><?xml version="1.0" encoding="utf-8"?>
+<p:notesMaster xmlns:a="http://schemas.openxmlformats.org/drawingml/2006/main" xmlns:r="http://schemas.openxmlformats.org/officeDocument/2006/relationships" xmlns:p="http://schemas.openxmlformats.org/presentationml/2006/main">
+  <p:cSld>
+    <p:bg>
+      <p:bgRef idx="1001">
+        <a:schemeClr val="bg1"/>
+      </p:bgRef>
+    </p:bg>
+    <p:spTree>
+      <p:nvGrpSpPr>
+        <p:cNvPr id="1" name=""/>
+        <p:cNvGrpSpPr/>
+        <p:nvPr/>
+      </p:nvGrpSpPr>
+      <p:grpSpPr>
+        <a:xfrm>
+          <a:off x="0" y="0"/>
+          <a:ext cx="0" cy="0"/>
+          <a:chOff x="0" y="0"/>
+          <a:chExt cx="0" cy="0"/>
+        </a:xfrm>
+      </p:grpSpPr>
+      <p:sp>
+        <p:nvSpPr>
+          <p:cNvPr id="2" name="Überschriftenplatzhalter 1"/>
+          <p:cNvSpPr>
+            <a:spLocks noGrp="1"/>
+          </p:cNvSpPr>
+          <p:nvPr>
+            <p:ph type="hdr" sz="quarter"/>
+          </p:nvPr>
+        </p:nvSpPr>
+        <p:spPr>
+          <a:xfrm>
+            <a:off x="0" y="0"/>
+            <a:ext cx="2971800" cy="457200"/>
+          </a:xfrm>
+          <a:prstGeom prst="rect">
+            <a:avLst/>
+          </a:prstGeom>
+        </p:spPr>
+        <p:txBody>
+          <a:bodyPr vert="horz" lIns="91440" tIns="45720" rIns="91440" bIns="45720" rtlCol="0"/>
+          <a:lstStyle>
+            <a:lvl1pPr algn="l">
+              <a:defRPr sz="1200"/>
+            </a:lvl1pPr>
+          </a:lstStyle>
+          <a:p>
+            <a:endParaRPr lang="de-DE"/>
+          </a:p>
+        </p:txBody>
+      </p:sp>
+      <p:sp>
+        <p:nvSpPr>
+          <p:cNvPr id="3" name="Datumsplatzhalter 2"/>
+          <p:cNvSpPr>
+            <a:spLocks noGrp="1"/>
+          </p:cNvSpPr>
+          <p:nvPr>
+            <p:ph type="dt" idx="1"/>
+          </p:nvPr>
+        </p:nvSpPr>
+        <p:spPr>
+          <a:xfrm>
+            <a:off x="3884613" y="0"/>
+            <a:ext cx="2971800" cy="457200"/>
+          </a:xfrm>
+          <a:prstGeom prst="rect">
+            <a:avLst/>
+          </a:prstGeom>
+        </p:spPr>
+        <p:txBody>
+          <a:bodyPr vert="horz" lIns="91440" tIns="45720" rIns="91440" bIns="45720" rtlCol="0"/>
+          <a:lstStyle>
+            <a:lvl1pPr algn="r">
+              <a:defRPr sz="1200"/>
+            </a:lvl1pPr>
+          </a:lstStyle>
+          <a:p>
+            <a:fld id="{72C14E7C-6242-074B-87DE-E01230712033}" type="datetimeFigureOut">
+              <a:rPr lang="de-DE" smtClean="0"/>
+              <a:t>12.05.20</a:t>
+            </a:fld>
+            <a:endParaRPr lang="de-DE"/>
+          </a:p>
+        </p:txBody>
+      </p:sp>
+      <p:sp>
+        <p:nvSpPr>
+          <p:cNvPr id="4" name="Folienbildplatzhalter 3"/>
+          <p:cNvSpPr>
+            <a:spLocks noGrp="1" noRot="1" noChangeAspect="1"/>
+          </p:cNvSpPr>
+          <p:nvPr>
+            <p:ph type="sldImg" idx="2"/>
+          </p:nvPr>
+        </p:nvSpPr>
+        <p:spPr>
+          <a:xfrm>
+            <a:off x="381000" y="685800"/>
+            <a:ext cx="6096000" cy="3429000"/>
+          </a:xfrm>
+          <a:prstGeom prst="rect">
+            <a:avLst/>
+          </a:prstGeom>
+          <a:noFill/>
+          <a:ln w="12700">
+            <a:solidFill>
+              <a:prstClr val="black"/>
+            </a:solidFill>
+          </a:ln>
+        </p:spPr>
+        <p:txBody>
+          <a:bodyPr vert="horz" lIns="91440" tIns="45720" rIns="91440" bIns="45720" rtlCol="0" anchor="ctr"/>
+          <a:lstStyle/>
+          <a:p>
+            <a:endParaRPr lang="de-DE"/>
+          </a:p>
+        </p:txBody>
+      </p:sp>
+      <p:sp>
+        <p:nvSpPr>
+          <p:cNvPr id="5" name="Notizenplatzhalter 4"/>
+          <p:cNvSpPr>
+            <a:spLocks noGrp="1"/>
+          </p:cNvSpPr>
+          <p:nvPr>
+            <p:ph type="body" sz="quarter" idx="3"/>
+          </p:nvPr>
+        </p:nvSpPr>
+        <p:spPr>
+          <a:xfrm>
+            <a:off x="685800" y="4343400"/>
+            <a:ext cx="5486400" cy="4114800"/>
+          </a:xfrm>
+          <a:prstGeom prst="rect">
+            <a:avLst/>
+          </a:prstGeom>
+        </p:spPr>
+        <p:txBody>
+          <a:bodyPr vert="horz" lIns="91440" tIns="45720" rIns="91440" bIns="45720" rtlCol="0"/>
+          <a:lstStyle/>
+          <a:p>
+            <a:pPr lvl="0"/>
+            <a:r>
+              <a:rPr lang="de-DE" smtClean="0"/>
+              <a:t>Mastertextformat bearbeiten</a:t>
+            </a:r>
+          </a:p>
+          <a:p>
+            <a:pPr lvl="1"/>
+            <a:r>
+              <a:rPr lang="de-DE" smtClean="0"/>
+              <a:t>Zweite Ebene</a:t>
+            </a:r>
+          </a:p>
+          <a:p>
+            <a:pPr lvl="2"/>
+            <a:r>
+              <a:rPr lang="de-DE" smtClean="0"/>
+              <a:t>Dritte Ebene</a:t>
+            </a:r>
+          </a:p>
+          <a:p>
+            <a:pPr lvl="3"/>
+            <a:r>
+              <a:rPr lang="de-DE" smtClean="0"/>
+              <a:t>Vierte Ebene</a:t>
+            </a:r>
+          </a:p>
+          <a:p>
+            <a:pPr lvl="4"/>
+            <a:r>
+              <a:rPr lang="de-DE" smtClean="0"/>
+              <a:t>Fünfte Ebene</a:t>
+            </a:r>
+            <a:endParaRPr lang="de-DE"/>
+          </a:p>
+        </p:txBody>
+      </p:sp>
+      <p:sp>
+        <p:nvSpPr>
+          <p:cNvPr id="6" name="Fußzeilenplatzhalter 5"/>
+          <p:cNvSpPr>
+            <a:spLocks noGrp="1"/>
+          </p:cNvSpPr>
+          <p:nvPr>
+            <p:ph type="ftr" sz="quarter" idx="4"/>
+          </p:nvPr>
+        </p:nvSpPr>
+        <p:spPr>
+          <a:xfrm>
+            <a:off x="0" y="8685213"/>
+            <a:ext cx="2971800" cy="457200"/>
+          </a:xfrm>
+          <a:prstGeom prst="rect">
+            <a:avLst/>
+          </a:prstGeom>
+        </p:spPr>
+        <p:txBody>
+          <a:bodyPr vert="horz" lIns="91440" tIns="45720" rIns="91440" bIns="45720" rtlCol="0" anchor="b"/>
+          <a:lstStyle>
+            <a:lvl1pPr algn="l">
+              <a:defRPr sz="1200"/>
+            </a:lvl1pPr>
+          </a:lstStyle>
+          <a:p>
+            <a:endParaRPr lang="de-DE"/>
+          </a:p>
+        </p:txBody>
+      </p:sp>
+      <p:sp>
+        <p:nvSpPr>
+          <p:cNvPr id="7" name="Foliennummernplatzhalter 6"/>
+          <p:cNvSpPr>
+            <a:spLocks noGrp="1"/>
+          </p:cNvSpPr>
+          <p:nvPr>
+            <p:ph type="sldNum" sz="quarter" idx="5"/>
+          </p:nvPr>
+        </p:nvSpPr>
+        <p:spPr>
+          <a:xfrm>
+            <a:off x="3884613" y="8685213"/>
+            <a:ext cx="2971800" cy="457200"/>
+          </a:xfrm>
+          <a:prstGeom prst="rect">
+            <a:avLst/>
+          </a:prstGeom>
+        </p:spPr>
+        <p:txBody>
+          <a:bodyPr vert="horz" lIns="91440" tIns="45720" rIns="91440" bIns="45720" rtlCol="0" anchor="b"/>
+          <a:lstStyle>
+            <a:lvl1pPr algn="r">
+              <a:defRPr sz="1200"/>
+            </a:lvl1pPr>
+          </a:lstStyle>
+          <a:p>
+            <a:fld id="{E0F89C21-F46F-1847-8BE2-ECAC8CFA1C91}" type="slidenum">
+              <a:rPr lang="de-DE" smtClean="0"/>
+              <a:t>‹Nr.›</a:t>
+            </a:fld>
+            <a:endParaRPr lang="de-DE"/>
+          </a:p>
+        </p:txBody>
+      </p:sp>
+    </p:spTree>
+    <p:extLst>
+      <p:ext uri="{BB962C8B-B14F-4D97-AF65-F5344CB8AC3E}">
+        <p14:creationId xmlns:p14="http://schemas.microsoft.com/office/powerpoint/2010/main" val="3219720685"/>
+      </p:ext>
+    </p:extLst>
+  </p:cSld>
+  <p:clrMap bg1="lt1" tx1="dk1" bg2="lt2" tx2="dk2" accent1="accent1" accent2="accent2" accent3="accent3" accent4="accent4" accent5="accent5" accent6="accent6" hlink="hlink" folHlink="folHlink"/>
+  <p:notesStyle>
+    <a:lvl1pPr marL="0" algn="l" defTabSz="457200" rtl="0" eaLnBrk="1" latinLnBrk="0" hangingPunct="1">
+      <a:defRPr sz="1200" kern="1200">
+        <a:solidFill>
+          <a:schemeClr val="tx1"/>
+        </a:solidFill>
+        <a:latin typeface="+mn-lt"/>
+        <a:ea typeface="+mn-ea"/>
+        <a:cs typeface="+mn-cs"/>
+      </a:defRPr>
+    </a:lvl1pPr>
+    <a:lvl2pPr marL="457200" algn="l" defTabSz="457200" rtl="0" eaLnBrk="1" latinLnBrk="0" hangingPunct="1">
+      <a:defRPr sz="1200" kern="1200">
+        <a:solidFill>
+          <a:schemeClr val="tx1"/>
+        </a:solidFill>
+        <a:latin typeface="+mn-lt"/>
+        <a:ea typeface="+mn-ea"/>
+        <a:cs typeface="+mn-cs"/>
+      </a:defRPr>
+    </a:lvl2pPr>
+    <a:lvl3pPr marL="914400" algn="l" defTabSz="457200" rtl="0" eaLnBrk="1" latinLnBrk="0" hangingPunct="1">
+      <a:defRPr sz="1200" kern="1200">
+        <a:solidFill>
+          <a:schemeClr val="tx1"/>
+        </a:solidFill>
+        <a:latin typeface="+mn-lt"/>
+        <a:ea typeface="+mn-ea"/>
+        <a:cs typeface="+mn-cs"/>
+      </a:defRPr>
+    </a:lvl3pPr>
+    <a:lvl4pPr marL="1371600" algn="l" defTabSz="457200" rtl="0" eaLnBrk="1" latinLnBrk="0" hangingPunct="1">
+      <a:defRPr sz="1200" kern="1200">
+        <a:solidFill>
+          <a:schemeClr val="tx1"/>
+        </a:solidFill>
+        <a:latin typeface="+mn-lt"/>
+        <a:ea typeface="+mn-ea"/>
+        <a:cs typeface="+mn-cs"/>
+      </a:defRPr>
+    </a:lvl4pPr>
+    <a:lvl5pPr marL="1828800" algn="l" defTabSz="457200" rtl="0" eaLnBrk="1" latinLnBrk="0" hangingPunct="1">
+      <a:defRPr sz="1200" kern="1200">
+        <a:solidFill>
+          <a:schemeClr val="tx1"/>
+        </a:solidFill>
+        <a:latin typeface="+mn-lt"/>
+        <a:ea typeface="+mn-ea"/>
+        <a:cs typeface="+mn-cs"/>
+      </a:defRPr>
+    </a:lvl5pPr>
+    <a:lvl6pPr marL="2286000" algn="l" defTabSz="457200" rtl="0" eaLnBrk="1" latinLnBrk="0" hangingPunct="1">
+      <a:defRPr sz="1200" kern="1200">
+        <a:solidFill>
+          <a:schemeClr val="tx1"/>
+        </a:solidFill>
+        <a:latin typeface="+mn-lt"/>
+        <a:ea typeface="+mn-ea"/>
+        <a:cs typeface="+mn-cs"/>
+      </a:defRPr>
+    </a:lvl6pPr>
+    <a:lvl7pPr marL="2743200" algn="l" defTabSz="457200" rtl="0" eaLnBrk="1" latinLnBrk="0" hangingPunct="1">
+      <a:defRPr sz="1200" kern="1200">
+        <a:solidFill>
+          <a:schemeClr val="tx1"/>
+        </a:solidFill>
+        <a:latin typeface="+mn-lt"/>
+        <a:ea typeface="+mn-ea"/>
+        <a:cs typeface="+mn-cs"/>
+      </a:defRPr>
+    </a:lvl7pPr>
+    <a:lvl8pPr marL="3200400" algn="l" defTabSz="457200" rtl="0" eaLnBrk="1" latinLnBrk="0" hangingPunct="1">
+      <a:defRPr sz="1200" kern="1200">
+        <a:solidFill>
+          <a:schemeClr val="tx1"/>
+        </a:solidFill>
+        <a:latin typeface="+mn-lt"/>
+        <a:ea typeface="+mn-ea"/>
+        <a:cs typeface="+mn-cs"/>
+      </a:defRPr>
+    </a:lvl8pPr>
+    <a:lvl9pPr marL="3657600" algn="l" defTabSz="457200" rtl="0" eaLnBrk="1" latinLnBrk="0" hangingPunct="1">
+      <a:defRPr sz="1200" kern="1200">
+        <a:solidFill>
+          <a:schemeClr val="tx1"/>
+        </a:solidFill>
+        <a:latin typeface="+mn-lt"/>
+        <a:ea typeface="+mn-ea"/>
+        <a:cs typeface="+mn-cs"/>
+      </a:defRPr>
+    </a:lvl9pPr>
+  </p:notesStyle>
+</p:notesMaster>
+</file>
+
+<file path=ppt/notesSlides/notesSlide1.xml><?xml version="1.0" encoding="utf-8"?>
+<p:notes xmlns:a="http://schemas.openxmlformats.org/drawingml/2006/main" xmlns:r="http://schemas.openxmlformats.org/officeDocument/2006/relationships" xmlns:p="http://schemas.openxmlformats.org/presentationml/2006/main">
+  <p:cSld>
+    <p:spTree>
+      <p:nvGrpSpPr>
+        <p:cNvPr id="1" name=""/>
+        <p:cNvGrpSpPr/>
+        <p:nvPr/>
+      </p:nvGrpSpPr>
+      <p:grpSpPr>
+        <a:xfrm>
+          <a:off x="0" y="0"/>
+          <a:ext cx="0" cy="0"/>
+          <a:chOff x="0" y="0"/>
+          <a:chExt cx="0" cy="0"/>
+        </a:xfrm>
+      </p:grpSpPr>
+      <p:sp>
+        <p:nvSpPr>
+          <p:cNvPr id="2" name="Folienbildplatzhalter 1"/>
+          <p:cNvSpPr>
+            <a:spLocks noGrp="1" noRot="1" noChangeAspect="1"/>
+          </p:cNvSpPr>
+          <p:nvPr>
+            <p:ph type="sldImg"/>
+          </p:nvPr>
+        </p:nvSpPr>
+        <p:spPr/>
+      </p:sp>
+      <p:sp>
+        <p:nvSpPr>
+          <p:cNvPr id="3" name="Notizenplatzhalter 2"/>
+          <p:cNvSpPr>
+            <a:spLocks noGrp="1"/>
+          </p:cNvSpPr>
+          <p:nvPr>
+            <p:ph type="body" idx="1"/>
+          </p:nvPr>
+        </p:nvSpPr>
+        <p:spPr/>
+        <p:txBody>
+          <a:bodyPr/>
+          <a:lstStyle/>
+          <a:p>
+            <a:r>
+              <a:rPr lang="de-DE" dirty="0" smtClean="0"/>
+              <a:t>Kann Daten im Dateisystem</a:t>
+            </a:r>
+            <a:r>
+              <a:rPr lang="de-DE" baseline="0" dirty="0" smtClean="0"/>
+              <a:t> lesen und schreiben</a:t>
+            </a:r>
+            <a:endParaRPr lang="de-DE" dirty="0" smtClean="0"/>
+          </a:p>
+          <a:p>
+            <a:r>
+              <a:rPr lang="de-DE" dirty="0" smtClean="0"/>
+              <a:t>Wachsende </a:t>
+            </a:r>
+            <a:r>
+              <a:rPr lang="de-DE" dirty="0" err="1" smtClean="0"/>
+              <a:t>community</a:t>
+            </a:r>
+            <a:r>
+              <a:rPr lang="de-DE" dirty="0" smtClean="0"/>
+              <a:t> </a:t>
+            </a:r>
+            <a:r>
+              <a:rPr lang="mr-IN" dirty="0" smtClean="0"/>
+              <a:t>–</a:t>
+            </a:r>
+            <a:r>
+              <a:rPr lang="de-DE" dirty="0" smtClean="0"/>
+              <a:t> wir keine Ahnung, dann wenigstens guter Support im Internet</a:t>
+            </a:r>
+          </a:p>
+          <a:p>
+            <a:endParaRPr lang="de-DE" dirty="0"/>
+          </a:p>
+        </p:txBody>
+      </p:sp>
+      <p:sp>
+        <p:nvSpPr>
+          <p:cNvPr id="4" name="Foliennummernplatzhalter 3"/>
+          <p:cNvSpPr>
+            <a:spLocks noGrp="1"/>
+          </p:cNvSpPr>
+          <p:nvPr>
+            <p:ph type="sldNum" sz="quarter" idx="10"/>
+          </p:nvPr>
+        </p:nvSpPr>
+        <p:spPr/>
+        <p:txBody>
+          <a:bodyPr/>
+          <a:lstStyle/>
+          <a:p>
+            <a:fld id="{E0F89C21-F46F-1847-8BE2-ECAC8CFA1C91}" type="slidenum">
+              <a:rPr lang="de-DE" smtClean="0"/>
+              <a:t>2</a:t>
+            </a:fld>
+            <a:endParaRPr lang="de-DE"/>
+          </a:p>
+        </p:txBody>
+      </p:sp>
+    </p:spTree>
+    <p:extLst>
+      <p:ext uri="{BB962C8B-B14F-4D97-AF65-F5344CB8AC3E}">
+        <p14:creationId xmlns:p14="http://schemas.microsoft.com/office/powerpoint/2010/main" val="2579311072"/>
+      </p:ext>
+    </p:extLst>
+  </p:cSld>
+  <p:clrMapOvr>
+    <a:masterClrMapping/>
+  </p:clrMapOvr>
+</p:notes>
+</file>
+
 <file path=ppt/slideLayouts/slideLayout1.xml><?xml version="1.0" encoding="utf-8"?>
 <p:sldLayout xmlns:a="http://schemas.openxmlformats.org/drawingml/2006/main" xmlns:r="http://schemas.openxmlformats.org/officeDocument/2006/relationships" xmlns:p="http://schemas.openxmlformats.org/presentationml/2006/main" type="title" preserve="1">
   <p:cSld name="Titelfolie">
@@ -132,7 +601,7 @@
           <p:cNvPr id="2" name="Titel 1">
             <a:extLst>
               <a:ext uri="{FF2B5EF4-FFF2-40B4-BE49-F238E27FC236}">
-                <a16:creationId xmlns:a16="http://schemas.microsoft.com/office/drawing/2014/main" xmlns="" id="{7DFDDC55-783F-47FF-92BE-E760CCB2CF30}"/>
+                <a16:creationId xmlns="" xmlns:a16="http://schemas.microsoft.com/office/drawing/2014/main" id="{7DFDDC55-783F-47FF-92BE-E760CCB2CF30}"/>
               </a:ext>
             </a:extLst>
           </p:cNvPr>
@@ -169,7 +638,7 @@
           <p:cNvPr id="3" name="Untertitel 2">
             <a:extLst>
               <a:ext uri="{FF2B5EF4-FFF2-40B4-BE49-F238E27FC236}">
-                <a16:creationId xmlns:a16="http://schemas.microsoft.com/office/drawing/2014/main" xmlns="" id="{BBC848D9-AD81-4F05-AD0A-EEEA523A6E89}"/>
+                <a16:creationId xmlns="" xmlns:a16="http://schemas.microsoft.com/office/drawing/2014/main" id="{BBC848D9-AD81-4F05-AD0A-EEEA523A6E89}"/>
               </a:ext>
             </a:extLst>
           </p:cNvPr>
@@ -239,7 +708,7 @@
           <p:cNvPr id="4" name="Datumsplatzhalter 3">
             <a:extLst>
               <a:ext uri="{FF2B5EF4-FFF2-40B4-BE49-F238E27FC236}">
-                <a16:creationId xmlns:a16="http://schemas.microsoft.com/office/drawing/2014/main" xmlns="" id="{2D876597-4872-4A7F-9433-4A34159AC59E}"/>
+                <a16:creationId xmlns="" xmlns:a16="http://schemas.microsoft.com/office/drawing/2014/main" id="{2D876597-4872-4A7F-9433-4A34159AC59E}"/>
               </a:ext>
             </a:extLst>
           </p:cNvPr>
@@ -257,7 +726,7 @@
           <a:p>
             <a:fld id="{59E5149D-F675-4913-B166-7486BF79D3B7}" type="datetimeFigureOut">
               <a:rPr lang="de-DE" smtClean="0"/>
-              <a:t>10.05.20</a:t>
+              <a:t>12.05.20</a:t>
             </a:fld>
             <a:endParaRPr lang="de-DE"/>
           </a:p>
@@ -268,7 +737,7 @@
           <p:cNvPr id="5" name="Fußzeilenplatzhalter 4">
             <a:extLst>
               <a:ext uri="{FF2B5EF4-FFF2-40B4-BE49-F238E27FC236}">
-                <a16:creationId xmlns:a16="http://schemas.microsoft.com/office/drawing/2014/main" xmlns="" id="{4487528A-3BBE-43A9-8EE3-387D31EE49D2}"/>
+                <a16:creationId xmlns="" xmlns:a16="http://schemas.microsoft.com/office/drawing/2014/main" id="{4487528A-3BBE-43A9-8EE3-387D31EE49D2}"/>
               </a:ext>
             </a:extLst>
           </p:cNvPr>
@@ -293,7 +762,7 @@
           <p:cNvPr id="6" name="Foliennummernplatzhalter 5">
             <a:extLst>
               <a:ext uri="{FF2B5EF4-FFF2-40B4-BE49-F238E27FC236}">
-                <a16:creationId xmlns:a16="http://schemas.microsoft.com/office/drawing/2014/main" xmlns="" id="{C312C07A-DD0B-46EB-A7C6-FCD96DD36DB5}"/>
+                <a16:creationId xmlns="" xmlns:a16="http://schemas.microsoft.com/office/drawing/2014/main" id="{C312C07A-DD0B-46EB-A7C6-FCD96DD36DB5}"/>
               </a:ext>
             </a:extLst>
           </p:cNvPr>
@@ -352,7 +821,7 @@
           <p:cNvPr id="2" name="Titel 1">
             <a:extLst>
               <a:ext uri="{FF2B5EF4-FFF2-40B4-BE49-F238E27FC236}">
-                <a16:creationId xmlns:a16="http://schemas.microsoft.com/office/drawing/2014/main" xmlns="" id="{F118F776-DB48-444E-ABFB-DAA61933ACC5}"/>
+                <a16:creationId xmlns="" xmlns:a16="http://schemas.microsoft.com/office/drawing/2014/main" id="{F118F776-DB48-444E-ABFB-DAA61933ACC5}"/>
               </a:ext>
             </a:extLst>
           </p:cNvPr>
@@ -380,7 +849,7 @@
           <p:cNvPr id="3" name="Vertikaler Textplatzhalter 2">
             <a:extLst>
               <a:ext uri="{FF2B5EF4-FFF2-40B4-BE49-F238E27FC236}">
-                <a16:creationId xmlns:a16="http://schemas.microsoft.com/office/drawing/2014/main" xmlns="" id="{96EC91CD-93BB-411F-A8F6-CF7C4777899C}"/>
+                <a16:creationId xmlns="" xmlns:a16="http://schemas.microsoft.com/office/drawing/2014/main" id="{96EC91CD-93BB-411F-A8F6-CF7C4777899C}"/>
               </a:ext>
             </a:extLst>
           </p:cNvPr>
@@ -437,7 +906,7 @@
           <p:cNvPr id="4" name="Datumsplatzhalter 3">
             <a:extLst>
               <a:ext uri="{FF2B5EF4-FFF2-40B4-BE49-F238E27FC236}">
-                <a16:creationId xmlns:a16="http://schemas.microsoft.com/office/drawing/2014/main" xmlns="" id="{4038ECAA-E53D-4EAF-8403-32212D4FF73D}"/>
+                <a16:creationId xmlns="" xmlns:a16="http://schemas.microsoft.com/office/drawing/2014/main" id="{4038ECAA-E53D-4EAF-8403-32212D4FF73D}"/>
               </a:ext>
             </a:extLst>
           </p:cNvPr>
@@ -455,7 +924,7 @@
           <a:p>
             <a:fld id="{59E5149D-F675-4913-B166-7486BF79D3B7}" type="datetimeFigureOut">
               <a:rPr lang="de-DE" smtClean="0"/>
-              <a:t>10.05.20</a:t>
+              <a:t>12.05.20</a:t>
             </a:fld>
             <a:endParaRPr lang="de-DE"/>
           </a:p>
@@ -466,7 +935,7 @@
           <p:cNvPr id="5" name="Fußzeilenplatzhalter 4">
             <a:extLst>
               <a:ext uri="{FF2B5EF4-FFF2-40B4-BE49-F238E27FC236}">
-                <a16:creationId xmlns:a16="http://schemas.microsoft.com/office/drawing/2014/main" xmlns="" id="{BC74484A-6F36-4719-BF0B-75FD4718A3CD}"/>
+                <a16:creationId xmlns="" xmlns:a16="http://schemas.microsoft.com/office/drawing/2014/main" id="{BC74484A-6F36-4719-BF0B-75FD4718A3CD}"/>
               </a:ext>
             </a:extLst>
           </p:cNvPr>
@@ -491,7 +960,7 @@
           <p:cNvPr id="6" name="Foliennummernplatzhalter 5">
             <a:extLst>
               <a:ext uri="{FF2B5EF4-FFF2-40B4-BE49-F238E27FC236}">
-                <a16:creationId xmlns:a16="http://schemas.microsoft.com/office/drawing/2014/main" xmlns="" id="{08D9B236-825D-4FEE-97E1-6F85BD049A30}"/>
+                <a16:creationId xmlns="" xmlns:a16="http://schemas.microsoft.com/office/drawing/2014/main" id="{08D9B236-825D-4FEE-97E1-6F85BD049A30}"/>
               </a:ext>
             </a:extLst>
           </p:cNvPr>
@@ -550,7 +1019,7 @@
           <p:cNvPr id="2" name="Vertikaler Titel 1">
             <a:extLst>
               <a:ext uri="{FF2B5EF4-FFF2-40B4-BE49-F238E27FC236}">
-                <a16:creationId xmlns:a16="http://schemas.microsoft.com/office/drawing/2014/main" xmlns="" id="{9EE0BFD2-5608-4750-8511-F571922B588B}"/>
+                <a16:creationId xmlns="" xmlns:a16="http://schemas.microsoft.com/office/drawing/2014/main" id="{9EE0BFD2-5608-4750-8511-F571922B588B}"/>
               </a:ext>
             </a:extLst>
           </p:cNvPr>
@@ -583,7 +1052,7 @@
           <p:cNvPr id="3" name="Vertikaler Textplatzhalter 2">
             <a:extLst>
               <a:ext uri="{FF2B5EF4-FFF2-40B4-BE49-F238E27FC236}">
-                <a16:creationId xmlns:a16="http://schemas.microsoft.com/office/drawing/2014/main" xmlns="" id="{B646DD81-38F6-4566-8B2C-8DCF4778BC0E}"/>
+                <a16:creationId xmlns="" xmlns:a16="http://schemas.microsoft.com/office/drawing/2014/main" id="{B646DD81-38F6-4566-8B2C-8DCF4778BC0E}"/>
               </a:ext>
             </a:extLst>
           </p:cNvPr>
@@ -645,7 +1114,7 @@
           <p:cNvPr id="4" name="Datumsplatzhalter 3">
             <a:extLst>
               <a:ext uri="{FF2B5EF4-FFF2-40B4-BE49-F238E27FC236}">
-                <a16:creationId xmlns:a16="http://schemas.microsoft.com/office/drawing/2014/main" xmlns="" id="{FBB4C516-F730-4044-A9D2-7D6B3B684E3C}"/>
+                <a16:creationId xmlns="" xmlns:a16="http://schemas.microsoft.com/office/drawing/2014/main" id="{FBB4C516-F730-4044-A9D2-7D6B3B684E3C}"/>
               </a:ext>
             </a:extLst>
           </p:cNvPr>
@@ -663,7 +1132,7 @@
           <a:p>
             <a:fld id="{59E5149D-F675-4913-B166-7486BF79D3B7}" type="datetimeFigureOut">
               <a:rPr lang="de-DE" smtClean="0"/>
-              <a:t>10.05.20</a:t>
+              <a:t>12.05.20</a:t>
             </a:fld>
             <a:endParaRPr lang="de-DE"/>
           </a:p>
@@ -674,7 +1143,7 @@
           <p:cNvPr id="5" name="Fußzeilenplatzhalter 4">
             <a:extLst>
               <a:ext uri="{FF2B5EF4-FFF2-40B4-BE49-F238E27FC236}">
-                <a16:creationId xmlns:a16="http://schemas.microsoft.com/office/drawing/2014/main" xmlns="" id="{4F1599E0-347D-417B-8A91-85F32F618CAE}"/>
+                <a16:creationId xmlns="" xmlns:a16="http://schemas.microsoft.com/office/drawing/2014/main" id="{4F1599E0-347D-417B-8A91-85F32F618CAE}"/>
               </a:ext>
             </a:extLst>
           </p:cNvPr>
@@ -699,7 +1168,7 @@
           <p:cNvPr id="6" name="Foliennummernplatzhalter 5">
             <a:extLst>
               <a:ext uri="{FF2B5EF4-FFF2-40B4-BE49-F238E27FC236}">
-                <a16:creationId xmlns:a16="http://schemas.microsoft.com/office/drawing/2014/main" xmlns="" id="{212BD901-761D-4FA1-A8F3-FE944BCD376F}"/>
+                <a16:creationId xmlns="" xmlns:a16="http://schemas.microsoft.com/office/drawing/2014/main" id="{212BD901-761D-4FA1-A8F3-FE944BCD376F}"/>
               </a:ext>
             </a:extLst>
           </p:cNvPr>
@@ -758,7 +1227,7 @@
           <p:cNvPr id="2" name="Titel 1">
             <a:extLst>
               <a:ext uri="{FF2B5EF4-FFF2-40B4-BE49-F238E27FC236}">
-                <a16:creationId xmlns:a16="http://schemas.microsoft.com/office/drawing/2014/main" xmlns="" id="{56F671BD-F2A4-4470-96D3-A61A8C4BFAF7}"/>
+                <a16:creationId xmlns="" xmlns:a16="http://schemas.microsoft.com/office/drawing/2014/main" id="{56F671BD-F2A4-4470-96D3-A61A8C4BFAF7}"/>
               </a:ext>
             </a:extLst>
           </p:cNvPr>
@@ -786,7 +1255,7 @@
           <p:cNvPr id="3" name="Inhaltsplatzhalter 2">
             <a:extLst>
               <a:ext uri="{FF2B5EF4-FFF2-40B4-BE49-F238E27FC236}">
-                <a16:creationId xmlns:a16="http://schemas.microsoft.com/office/drawing/2014/main" xmlns="" id="{A59A196A-CE2B-4177-B1F9-A8AE4295DB12}"/>
+                <a16:creationId xmlns="" xmlns:a16="http://schemas.microsoft.com/office/drawing/2014/main" id="{A59A196A-CE2B-4177-B1F9-A8AE4295DB12}"/>
               </a:ext>
             </a:extLst>
           </p:cNvPr>
@@ -843,7 +1312,7 @@
           <p:cNvPr id="4" name="Datumsplatzhalter 3">
             <a:extLst>
               <a:ext uri="{FF2B5EF4-FFF2-40B4-BE49-F238E27FC236}">
-                <a16:creationId xmlns:a16="http://schemas.microsoft.com/office/drawing/2014/main" xmlns="" id="{DBCCA7F7-146F-4E56-81AB-196A23841D76}"/>
+                <a16:creationId xmlns="" xmlns:a16="http://schemas.microsoft.com/office/drawing/2014/main" id="{DBCCA7F7-146F-4E56-81AB-196A23841D76}"/>
               </a:ext>
             </a:extLst>
           </p:cNvPr>
@@ -861,7 +1330,7 @@
           <a:p>
             <a:fld id="{59E5149D-F675-4913-B166-7486BF79D3B7}" type="datetimeFigureOut">
               <a:rPr lang="de-DE" smtClean="0"/>
-              <a:t>10.05.20</a:t>
+              <a:t>12.05.20</a:t>
             </a:fld>
             <a:endParaRPr lang="de-DE"/>
           </a:p>
@@ -872,7 +1341,7 @@
           <p:cNvPr id="5" name="Fußzeilenplatzhalter 4">
             <a:extLst>
               <a:ext uri="{FF2B5EF4-FFF2-40B4-BE49-F238E27FC236}">
-                <a16:creationId xmlns:a16="http://schemas.microsoft.com/office/drawing/2014/main" xmlns="" id="{51134103-CD99-4B47-8A86-0402435A7FFD}"/>
+                <a16:creationId xmlns="" xmlns:a16="http://schemas.microsoft.com/office/drawing/2014/main" id="{51134103-CD99-4B47-8A86-0402435A7FFD}"/>
               </a:ext>
             </a:extLst>
           </p:cNvPr>
@@ -897,7 +1366,7 @@
           <p:cNvPr id="6" name="Foliennummernplatzhalter 5">
             <a:extLst>
               <a:ext uri="{FF2B5EF4-FFF2-40B4-BE49-F238E27FC236}">
-                <a16:creationId xmlns:a16="http://schemas.microsoft.com/office/drawing/2014/main" xmlns="" id="{D23C8993-EA0C-404B-876B-08D242A28A04}"/>
+                <a16:creationId xmlns="" xmlns:a16="http://schemas.microsoft.com/office/drawing/2014/main" id="{D23C8993-EA0C-404B-876B-08D242A28A04}"/>
               </a:ext>
             </a:extLst>
           </p:cNvPr>
@@ -956,7 +1425,7 @@
           <p:cNvPr id="2" name="Titel 1">
             <a:extLst>
               <a:ext uri="{FF2B5EF4-FFF2-40B4-BE49-F238E27FC236}">
-                <a16:creationId xmlns:a16="http://schemas.microsoft.com/office/drawing/2014/main" xmlns="" id="{0833223E-222F-4D3F-9BD6-BF1AA2C4324D}"/>
+                <a16:creationId xmlns="" xmlns:a16="http://schemas.microsoft.com/office/drawing/2014/main" id="{0833223E-222F-4D3F-9BD6-BF1AA2C4324D}"/>
               </a:ext>
             </a:extLst>
           </p:cNvPr>
@@ -993,7 +1462,7 @@
           <p:cNvPr id="3" name="Textplatzhalter 2">
             <a:extLst>
               <a:ext uri="{FF2B5EF4-FFF2-40B4-BE49-F238E27FC236}">
-                <a16:creationId xmlns:a16="http://schemas.microsoft.com/office/drawing/2014/main" xmlns="" id="{AEECA488-B560-4D13-8719-956C2920FD53}"/>
+                <a16:creationId xmlns="" xmlns:a16="http://schemas.microsoft.com/office/drawing/2014/main" id="{AEECA488-B560-4D13-8719-956C2920FD53}"/>
               </a:ext>
             </a:extLst>
           </p:cNvPr>
@@ -1118,7 +1587,7 @@
           <p:cNvPr id="4" name="Datumsplatzhalter 3">
             <a:extLst>
               <a:ext uri="{FF2B5EF4-FFF2-40B4-BE49-F238E27FC236}">
-                <a16:creationId xmlns:a16="http://schemas.microsoft.com/office/drawing/2014/main" xmlns="" id="{C451622E-4EBC-4104-A5E3-587B278E2E66}"/>
+                <a16:creationId xmlns="" xmlns:a16="http://schemas.microsoft.com/office/drawing/2014/main" id="{C451622E-4EBC-4104-A5E3-587B278E2E66}"/>
               </a:ext>
             </a:extLst>
           </p:cNvPr>
@@ -1136,7 +1605,7 @@
           <a:p>
             <a:fld id="{59E5149D-F675-4913-B166-7486BF79D3B7}" type="datetimeFigureOut">
               <a:rPr lang="de-DE" smtClean="0"/>
-              <a:t>10.05.20</a:t>
+              <a:t>12.05.20</a:t>
             </a:fld>
             <a:endParaRPr lang="de-DE"/>
           </a:p>
@@ -1147,7 +1616,7 @@
           <p:cNvPr id="5" name="Fußzeilenplatzhalter 4">
             <a:extLst>
               <a:ext uri="{FF2B5EF4-FFF2-40B4-BE49-F238E27FC236}">
-                <a16:creationId xmlns:a16="http://schemas.microsoft.com/office/drawing/2014/main" xmlns="" id="{2E71A6E0-F0CA-46A7-AC12-BB329FF3088B}"/>
+                <a16:creationId xmlns="" xmlns:a16="http://schemas.microsoft.com/office/drawing/2014/main" id="{2E71A6E0-F0CA-46A7-AC12-BB329FF3088B}"/>
               </a:ext>
             </a:extLst>
           </p:cNvPr>
@@ -1172,7 +1641,7 @@
           <p:cNvPr id="6" name="Foliennummernplatzhalter 5">
             <a:extLst>
               <a:ext uri="{FF2B5EF4-FFF2-40B4-BE49-F238E27FC236}">
-                <a16:creationId xmlns:a16="http://schemas.microsoft.com/office/drawing/2014/main" xmlns="" id="{2CEE1E4A-1AB6-4A0E-AF0A-6ED96A1F9A34}"/>
+                <a16:creationId xmlns="" xmlns:a16="http://schemas.microsoft.com/office/drawing/2014/main" id="{2CEE1E4A-1AB6-4A0E-AF0A-6ED96A1F9A34}"/>
               </a:ext>
             </a:extLst>
           </p:cNvPr>
@@ -1231,7 +1700,7 @@
           <p:cNvPr id="2" name="Titel 1">
             <a:extLst>
               <a:ext uri="{FF2B5EF4-FFF2-40B4-BE49-F238E27FC236}">
-                <a16:creationId xmlns:a16="http://schemas.microsoft.com/office/drawing/2014/main" xmlns="" id="{45B1CFCE-5219-4697-86D9-9F16CCD44A76}"/>
+                <a16:creationId xmlns="" xmlns:a16="http://schemas.microsoft.com/office/drawing/2014/main" id="{45B1CFCE-5219-4697-86D9-9F16CCD44A76}"/>
               </a:ext>
             </a:extLst>
           </p:cNvPr>
@@ -1259,7 +1728,7 @@
           <p:cNvPr id="3" name="Inhaltsplatzhalter 2">
             <a:extLst>
               <a:ext uri="{FF2B5EF4-FFF2-40B4-BE49-F238E27FC236}">
-                <a16:creationId xmlns:a16="http://schemas.microsoft.com/office/drawing/2014/main" xmlns="" id="{2884A9C5-D4E7-4322-89AA-FB845E3850BE}"/>
+                <a16:creationId xmlns="" xmlns:a16="http://schemas.microsoft.com/office/drawing/2014/main" id="{2884A9C5-D4E7-4322-89AA-FB845E3850BE}"/>
               </a:ext>
             </a:extLst>
           </p:cNvPr>
@@ -1321,7 +1790,7 @@
           <p:cNvPr id="4" name="Inhaltsplatzhalter 3">
             <a:extLst>
               <a:ext uri="{FF2B5EF4-FFF2-40B4-BE49-F238E27FC236}">
-                <a16:creationId xmlns:a16="http://schemas.microsoft.com/office/drawing/2014/main" xmlns="" id="{F34DC8C9-18F8-44D0-8461-91E0CA27A492}"/>
+                <a16:creationId xmlns="" xmlns:a16="http://schemas.microsoft.com/office/drawing/2014/main" id="{F34DC8C9-18F8-44D0-8461-91E0CA27A492}"/>
               </a:ext>
             </a:extLst>
           </p:cNvPr>
@@ -1383,7 +1852,7 @@
           <p:cNvPr id="5" name="Datumsplatzhalter 4">
             <a:extLst>
               <a:ext uri="{FF2B5EF4-FFF2-40B4-BE49-F238E27FC236}">
-                <a16:creationId xmlns:a16="http://schemas.microsoft.com/office/drawing/2014/main" xmlns="" id="{C469A3CB-6650-4645-BCB8-B6674A2044C1}"/>
+                <a16:creationId xmlns="" xmlns:a16="http://schemas.microsoft.com/office/drawing/2014/main" id="{C469A3CB-6650-4645-BCB8-B6674A2044C1}"/>
               </a:ext>
             </a:extLst>
           </p:cNvPr>
@@ -1401,7 +1870,7 @@
           <a:p>
             <a:fld id="{59E5149D-F675-4913-B166-7486BF79D3B7}" type="datetimeFigureOut">
               <a:rPr lang="de-DE" smtClean="0"/>
-              <a:t>10.05.20</a:t>
+              <a:t>12.05.20</a:t>
             </a:fld>
             <a:endParaRPr lang="de-DE"/>
           </a:p>
@@ -1412,7 +1881,7 @@
           <p:cNvPr id="6" name="Fußzeilenplatzhalter 5">
             <a:extLst>
               <a:ext uri="{FF2B5EF4-FFF2-40B4-BE49-F238E27FC236}">
-                <a16:creationId xmlns:a16="http://schemas.microsoft.com/office/drawing/2014/main" xmlns="" id="{74ACA7F9-15F2-42CA-B630-22192F495E85}"/>
+                <a16:creationId xmlns="" xmlns:a16="http://schemas.microsoft.com/office/drawing/2014/main" id="{74ACA7F9-15F2-42CA-B630-22192F495E85}"/>
               </a:ext>
             </a:extLst>
           </p:cNvPr>
@@ -1437,7 +1906,7 @@
           <p:cNvPr id="7" name="Foliennummernplatzhalter 6">
             <a:extLst>
               <a:ext uri="{FF2B5EF4-FFF2-40B4-BE49-F238E27FC236}">
-                <a16:creationId xmlns:a16="http://schemas.microsoft.com/office/drawing/2014/main" xmlns="" id="{435ADFA1-4C04-482F-96E3-2895BED17618}"/>
+                <a16:creationId xmlns="" xmlns:a16="http://schemas.microsoft.com/office/drawing/2014/main" id="{435ADFA1-4C04-482F-96E3-2895BED17618}"/>
               </a:ext>
             </a:extLst>
           </p:cNvPr>
@@ -1496,7 +1965,7 @@
           <p:cNvPr id="2" name="Titel 1">
             <a:extLst>
               <a:ext uri="{FF2B5EF4-FFF2-40B4-BE49-F238E27FC236}">
-                <a16:creationId xmlns:a16="http://schemas.microsoft.com/office/drawing/2014/main" xmlns="" id="{4D549C1B-9FA1-443D-8581-FE5ED57868B0}"/>
+                <a16:creationId xmlns="" xmlns:a16="http://schemas.microsoft.com/office/drawing/2014/main" id="{4D549C1B-9FA1-443D-8581-FE5ED57868B0}"/>
               </a:ext>
             </a:extLst>
           </p:cNvPr>
@@ -1529,7 +1998,7 @@
           <p:cNvPr id="3" name="Textplatzhalter 2">
             <a:extLst>
               <a:ext uri="{FF2B5EF4-FFF2-40B4-BE49-F238E27FC236}">
-                <a16:creationId xmlns:a16="http://schemas.microsoft.com/office/drawing/2014/main" xmlns="" id="{7452E739-67C2-4E2C-BEB9-74CFD91EE5EF}"/>
+                <a16:creationId xmlns="" xmlns:a16="http://schemas.microsoft.com/office/drawing/2014/main" id="{7452E739-67C2-4E2C-BEB9-74CFD91EE5EF}"/>
               </a:ext>
             </a:extLst>
           </p:cNvPr>
@@ -1600,7 +2069,7 @@
           <p:cNvPr id="4" name="Inhaltsplatzhalter 3">
             <a:extLst>
               <a:ext uri="{FF2B5EF4-FFF2-40B4-BE49-F238E27FC236}">
-                <a16:creationId xmlns:a16="http://schemas.microsoft.com/office/drawing/2014/main" xmlns="" id="{8C45D6DA-4870-4A5F-A027-E62C076DD54B}"/>
+                <a16:creationId xmlns="" xmlns:a16="http://schemas.microsoft.com/office/drawing/2014/main" id="{8C45D6DA-4870-4A5F-A027-E62C076DD54B}"/>
               </a:ext>
             </a:extLst>
           </p:cNvPr>
@@ -1662,7 +2131,7 @@
           <p:cNvPr id="5" name="Textplatzhalter 4">
             <a:extLst>
               <a:ext uri="{FF2B5EF4-FFF2-40B4-BE49-F238E27FC236}">
-                <a16:creationId xmlns:a16="http://schemas.microsoft.com/office/drawing/2014/main" xmlns="" id="{D3DA8FC2-1C10-4E55-934C-382576943E59}"/>
+                <a16:creationId xmlns="" xmlns:a16="http://schemas.microsoft.com/office/drawing/2014/main" id="{D3DA8FC2-1C10-4E55-934C-382576943E59}"/>
               </a:ext>
             </a:extLst>
           </p:cNvPr>
@@ -1733,7 +2202,7 @@
           <p:cNvPr id="6" name="Inhaltsplatzhalter 5">
             <a:extLst>
               <a:ext uri="{FF2B5EF4-FFF2-40B4-BE49-F238E27FC236}">
-                <a16:creationId xmlns:a16="http://schemas.microsoft.com/office/drawing/2014/main" xmlns="" id="{DDD067D8-A2E4-4F50-989E-476D7101D9C6}"/>
+                <a16:creationId xmlns="" xmlns:a16="http://schemas.microsoft.com/office/drawing/2014/main" id="{DDD067D8-A2E4-4F50-989E-476D7101D9C6}"/>
               </a:ext>
             </a:extLst>
           </p:cNvPr>
@@ -1795,7 +2264,7 @@
           <p:cNvPr id="7" name="Datumsplatzhalter 6">
             <a:extLst>
               <a:ext uri="{FF2B5EF4-FFF2-40B4-BE49-F238E27FC236}">
-                <a16:creationId xmlns:a16="http://schemas.microsoft.com/office/drawing/2014/main" xmlns="" id="{45FAA46F-C93E-49C4-9B5D-5ED82B73B44E}"/>
+                <a16:creationId xmlns="" xmlns:a16="http://schemas.microsoft.com/office/drawing/2014/main" id="{45FAA46F-C93E-49C4-9B5D-5ED82B73B44E}"/>
               </a:ext>
             </a:extLst>
           </p:cNvPr>
@@ -1813,7 +2282,7 @@
           <a:p>
             <a:fld id="{59E5149D-F675-4913-B166-7486BF79D3B7}" type="datetimeFigureOut">
               <a:rPr lang="de-DE" smtClean="0"/>
-              <a:t>10.05.20</a:t>
+              <a:t>12.05.20</a:t>
             </a:fld>
             <a:endParaRPr lang="de-DE"/>
           </a:p>
@@ -1824,7 +2293,7 @@
           <p:cNvPr id="8" name="Fußzeilenplatzhalter 7">
             <a:extLst>
               <a:ext uri="{FF2B5EF4-FFF2-40B4-BE49-F238E27FC236}">
-                <a16:creationId xmlns:a16="http://schemas.microsoft.com/office/drawing/2014/main" xmlns="" id="{797C5705-94E1-446B-83F9-E23FDFAC432F}"/>
+                <a16:creationId xmlns="" xmlns:a16="http://schemas.microsoft.com/office/drawing/2014/main" id="{797C5705-94E1-446B-83F9-E23FDFAC432F}"/>
               </a:ext>
             </a:extLst>
           </p:cNvPr>
@@ -1849,7 +2318,7 @@
           <p:cNvPr id="9" name="Foliennummernplatzhalter 8">
             <a:extLst>
               <a:ext uri="{FF2B5EF4-FFF2-40B4-BE49-F238E27FC236}">
-                <a16:creationId xmlns:a16="http://schemas.microsoft.com/office/drawing/2014/main" xmlns="" id="{C6788EB8-8F97-4ABF-BEAF-0434C3153620}"/>
+                <a16:creationId xmlns="" xmlns:a16="http://schemas.microsoft.com/office/drawing/2014/main" id="{C6788EB8-8F97-4ABF-BEAF-0434C3153620}"/>
               </a:ext>
             </a:extLst>
           </p:cNvPr>
@@ -1908,7 +2377,7 @@
           <p:cNvPr id="2" name="Titel 1">
             <a:extLst>
               <a:ext uri="{FF2B5EF4-FFF2-40B4-BE49-F238E27FC236}">
-                <a16:creationId xmlns:a16="http://schemas.microsoft.com/office/drawing/2014/main" xmlns="" id="{60E660CB-9F0C-44FD-8FA2-E7F7BC7468C6}"/>
+                <a16:creationId xmlns="" xmlns:a16="http://schemas.microsoft.com/office/drawing/2014/main" id="{60E660CB-9F0C-44FD-8FA2-E7F7BC7468C6}"/>
               </a:ext>
             </a:extLst>
           </p:cNvPr>
@@ -1936,7 +2405,7 @@
           <p:cNvPr id="3" name="Datumsplatzhalter 2">
             <a:extLst>
               <a:ext uri="{FF2B5EF4-FFF2-40B4-BE49-F238E27FC236}">
-                <a16:creationId xmlns:a16="http://schemas.microsoft.com/office/drawing/2014/main" xmlns="" id="{5D0E1EBD-84C7-437A-A9D8-0A596B9DB653}"/>
+                <a16:creationId xmlns="" xmlns:a16="http://schemas.microsoft.com/office/drawing/2014/main" id="{5D0E1EBD-84C7-437A-A9D8-0A596B9DB653}"/>
               </a:ext>
             </a:extLst>
           </p:cNvPr>
@@ -1954,7 +2423,7 @@
           <a:p>
             <a:fld id="{59E5149D-F675-4913-B166-7486BF79D3B7}" type="datetimeFigureOut">
               <a:rPr lang="de-DE" smtClean="0"/>
-              <a:t>10.05.20</a:t>
+              <a:t>12.05.20</a:t>
             </a:fld>
             <a:endParaRPr lang="de-DE"/>
           </a:p>
@@ -1965,7 +2434,7 @@
           <p:cNvPr id="4" name="Fußzeilenplatzhalter 3">
             <a:extLst>
               <a:ext uri="{FF2B5EF4-FFF2-40B4-BE49-F238E27FC236}">
-                <a16:creationId xmlns:a16="http://schemas.microsoft.com/office/drawing/2014/main" xmlns="" id="{316ABA31-14B4-4F2E-90AC-97B4BC7DC4CB}"/>
+                <a16:creationId xmlns="" xmlns:a16="http://schemas.microsoft.com/office/drawing/2014/main" id="{316ABA31-14B4-4F2E-90AC-97B4BC7DC4CB}"/>
               </a:ext>
             </a:extLst>
           </p:cNvPr>
@@ -1990,7 +2459,7 @@
           <p:cNvPr id="5" name="Foliennummernplatzhalter 4">
             <a:extLst>
               <a:ext uri="{FF2B5EF4-FFF2-40B4-BE49-F238E27FC236}">
-                <a16:creationId xmlns:a16="http://schemas.microsoft.com/office/drawing/2014/main" xmlns="" id="{3FF07F80-D082-4FED-9508-1B59733B32E6}"/>
+                <a16:creationId xmlns="" xmlns:a16="http://schemas.microsoft.com/office/drawing/2014/main" id="{3FF07F80-D082-4FED-9508-1B59733B32E6}"/>
               </a:ext>
             </a:extLst>
           </p:cNvPr>
@@ -2049,7 +2518,7 @@
           <p:cNvPr id="2" name="Datumsplatzhalter 1">
             <a:extLst>
               <a:ext uri="{FF2B5EF4-FFF2-40B4-BE49-F238E27FC236}">
-                <a16:creationId xmlns:a16="http://schemas.microsoft.com/office/drawing/2014/main" xmlns="" id="{4C69A2AD-5AF4-4BAC-8DF0-F78248B2E365}"/>
+                <a16:creationId xmlns="" xmlns:a16="http://schemas.microsoft.com/office/drawing/2014/main" id="{4C69A2AD-5AF4-4BAC-8DF0-F78248B2E365}"/>
               </a:ext>
             </a:extLst>
           </p:cNvPr>
@@ -2067,7 +2536,7 @@
           <a:p>
             <a:fld id="{59E5149D-F675-4913-B166-7486BF79D3B7}" type="datetimeFigureOut">
               <a:rPr lang="de-DE" smtClean="0"/>
-              <a:t>10.05.20</a:t>
+              <a:t>12.05.20</a:t>
             </a:fld>
             <a:endParaRPr lang="de-DE"/>
           </a:p>
@@ -2078,7 +2547,7 @@
           <p:cNvPr id="3" name="Fußzeilenplatzhalter 2">
             <a:extLst>
               <a:ext uri="{FF2B5EF4-FFF2-40B4-BE49-F238E27FC236}">
-                <a16:creationId xmlns:a16="http://schemas.microsoft.com/office/drawing/2014/main" xmlns="" id="{7F5877C6-50AD-4DDE-9D49-AF952821B755}"/>
+                <a16:creationId xmlns="" xmlns:a16="http://schemas.microsoft.com/office/drawing/2014/main" id="{7F5877C6-50AD-4DDE-9D49-AF952821B755}"/>
               </a:ext>
             </a:extLst>
           </p:cNvPr>
@@ -2103,7 +2572,7 @@
           <p:cNvPr id="4" name="Foliennummernplatzhalter 3">
             <a:extLst>
               <a:ext uri="{FF2B5EF4-FFF2-40B4-BE49-F238E27FC236}">
-                <a16:creationId xmlns:a16="http://schemas.microsoft.com/office/drawing/2014/main" xmlns="" id="{4500AEA1-FCF5-4FDA-9321-3BEA354C0D2C}"/>
+                <a16:creationId xmlns="" xmlns:a16="http://schemas.microsoft.com/office/drawing/2014/main" id="{4500AEA1-FCF5-4FDA-9321-3BEA354C0D2C}"/>
               </a:ext>
             </a:extLst>
           </p:cNvPr>
@@ -2162,7 +2631,7 @@
           <p:cNvPr id="2" name="Titel 1">
             <a:extLst>
               <a:ext uri="{FF2B5EF4-FFF2-40B4-BE49-F238E27FC236}">
-                <a16:creationId xmlns:a16="http://schemas.microsoft.com/office/drawing/2014/main" xmlns="" id="{2693E443-76A9-4351-8695-25F62E520BDB}"/>
+                <a16:creationId xmlns="" xmlns:a16="http://schemas.microsoft.com/office/drawing/2014/main" id="{2693E443-76A9-4351-8695-25F62E520BDB}"/>
               </a:ext>
             </a:extLst>
           </p:cNvPr>
@@ -2199,7 +2668,7 @@
           <p:cNvPr id="3" name="Inhaltsplatzhalter 2">
             <a:extLst>
               <a:ext uri="{FF2B5EF4-FFF2-40B4-BE49-F238E27FC236}">
-                <a16:creationId xmlns:a16="http://schemas.microsoft.com/office/drawing/2014/main" xmlns="" id="{D4113940-82D6-49CF-9DFC-5E700C4D604E}"/>
+                <a16:creationId xmlns="" xmlns:a16="http://schemas.microsoft.com/office/drawing/2014/main" id="{D4113940-82D6-49CF-9DFC-5E700C4D604E}"/>
               </a:ext>
             </a:extLst>
           </p:cNvPr>
@@ -2289,7 +2758,7 @@
           <p:cNvPr id="4" name="Textplatzhalter 3">
             <a:extLst>
               <a:ext uri="{FF2B5EF4-FFF2-40B4-BE49-F238E27FC236}">
-                <a16:creationId xmlns:a16="http://schemas.microsoft.com/office/drawing/2014/main" xmlns="" id="{6FA5CE3B-E5A5-4F2F-8141-18E4FFC659B2}"/>
+                <a16:creationId xmlns="" xmlns:a16="http://schemas.microsoft.com/office/drawing/2014/main" id="{6FA5CE3B-E5A5-4F2F-8141-18E4FFC659B2}"/>
               </a:ext>
             </a:extLst>
           </p:cNvPr>
@@ -2360,7 +2829,7 @@
           <p:cNvPr id="5" name="Datumsplatzhalter 4">
             <a:extLst>
               <a:ext uri="{FF2B5EF4-FFF2-40B4-BE49-F238E27FC236}">
-                <a16:creationId xmlns:a16="http://schemas.microsoft.com/office/drawing/2014/main" xmlns="" id="{4C5D3846-2D61-41AD-9A39-FD4EA80CBE71}"/>
+                <a16:creationId xmlns="" xmlns:a16="http://schemas.microsoft.com/office/drawing/2014/main" id="{4C5D3846-2D61-41AD-9A39-FD4EA80CBE71}"/>
               </a:ext>
             </a:extLst>
           </p:cNvPr>
@@ -2378,7 +2847,7 @@
           <a:p>
             <a:fld id="{59E5149D-F675-4913-B166-7486BF79D3B7}" type="datetimeFigureOut">
               <a:rPr lang="de-DE" smtClean="0"/>
-              <a:t>10.05.20</a:t>
+              <a:t>12.05.20</a:t>
             </a:fld>
             <a:endParaRPr lang="de-DE"/>
           </a:p>
@@ -2389,7 +2858,7 @@
           <p:cNvPr id="6" name="Fußzeilenplatzhalter 5">
             <a:extLst>
               <a:ext uri="{FF2B5EF4-FFF2-40B4-BE49-F238E27FC236}">
-                <a16:creationId xmlns:a16="http://schemas.microsoft.com/office/drawing/2014/main" xmlns="" id="{ECABAF97-28A9-4CD5-BE36-9FD617F7BBC5}"/>
+                <a16:creationId xmlns="" xmlns:a16="http://schemas.microsoft.com/office/drawing/2014/main" id="{ECABAF97-28A9-4CD5-BE36-9FD617F7BBC5}"/>
               </a:ext>
             </a:extLst>
           </p:cNvPr>
@@ -2414,7 +2883,7 @@
           <p:cNvPr id="7" name="Foliennummernplatzhalter 6">
             <a:extLst>
               <a:ext uri="{FF2B5EF4-FFF2-40B4-BE49-F238E27FC236}">
-                <a16:creationId xmlns:a16="http://schemas.microsoft.com/office/drawing/2014/main" xmlns="" id="{0D688C9D-807D-41B8-9D7E-1DD4FAD122A5}"/>
+                <a16:creationId xmlns="" xmlns:a16="http://schemas.microsoft.com/office/drawing/2014/main" id="{0D688C9D-807D-41B8-9D7E-1DD4FAD122A5}"/>
               </a:ext>
             </a:extLst>
           </p:cNvPr>
@@ -2473,7 +2942,7 @@
           <p:cNvPr id="2" name="Titel 1">
             <a:extLst>
               <a:ext uri="{FF2B5EF4-FFF2-40B4-BE49-F238E27FC236}">
-                <a16:creationId xmlns:a16="http://schemas.microsoft.com/office/drawing/2014/main" xmlns="" id="{17738686-940C-42DE-9725-F48526A0541B}"/>
+                <a16:creationId xmlns="" xmlns:a16="http://schemas.microsoft.com/office/drawing/2014/main" id="{17738686-940C-42DE-9725-F48526A0541B}"/>
               </a:ext>
             </a:extLst>
           </p:cNvPr>
@@ -2510,7 +2979,7 @@
           <p:cNvPr id="3" name="Bildplatzhalter 2">
             <a:extLst>
               <a:ext uri="{FF2B5EF4-FFF2-40B4-BE49-F238E27FC236}">
-                <a16:creationId xmlns:a16="http://schemas.microsoft.com/office/drawing/2014/main" xmlns="" id="{F76BBEE6-3D9B-4A38-BE02-7A0A98EBCBC7}"/>
+                <a16:creationId xmlns="" xmlns:a16="http://schemas.microsoft.com/office/drawing/2014/main" id="{F76BBEE6-3D9B-4A38-BE02-7A0A98EBCBC7}"/>
               </a:ext>
             </a:extLst>
           </p:cNvPr>
@@ -2577,7 +3046,7 @@
           <p:cNvPr id="4" name="Textplatzhalter 3">
             <a:extLst>
               <a:ext uri="{FF2B5EF4-FFF2-40B4-BE49-F238E27FC236}">
-                <a16:creationId xmlns:a16="http://schemas.microsoft.com/office/drawing/2014/main" xmlns="" id="{4D5D8606-385A-4395-AAB8-03A00CC260C2}"/>
+                <a16:creationId xmlns="" xmlns:a16="http://schemas.microsoft.com/office/drawing/2014/main" id="{4D5D8606-385A-4395-AAB8-03A00CC260C2}"/>
               </a:ext>
             </a:extLst>
           </p:cNvPr>
@@ -2648,7 +3117,7 @@
           <p:cNvPr id="5" name="Datumsplatzhalter 4">
             <a:extLst>
               <a:ext uri="{FF2B5EF4-FFF2-40B4-BE49-F238E27FC236}">
-                <a16:creationId xmlns:a16="http://schemas.microsoft.com/office/drawing/2014/main" xmlns="" id="{B3D4298B-441F-40DF-BFBB-036DC0E4EC17}"/>
+                <a16:creationId xmlns="" xmlns:a16="http://schemas.microsoft.com/office/drawing/2014/main" id="{B3D4298B-441F-40DF-BFBB-036DC0E4EC17}"/>
               </a:ext>
             </a:extLst>
           </p:cNvPr>
@@ -2666,7 +3135,7 @@
           <a:p>
             <a:fld id="{59E5149D-F675-4913-B166-7486BF79D3B7}" type="datetimeFigureOut">
               <a:rPr lang="de-DE" smtClean="0"/>
-              <a:t>10.05.20</a:t>
+              <a:t>12.05.20</a:t>
             </a:fld>
             <a:endParaRPr lang="de-DE"/>
           </a:p>
@@ -2677,7 +3146,7 @@
           <p:cNvPr id="6" name="Fußzeilenplatzhalter 5">
             <a:extLst>
               <a:ext uri="{FF2B5EF4-FFF2-40B4-BE49-F238E27FC236}">
-                <a16:creationId xmlns:a16="http://schemas.microsoft.com/office/drawing/2014/main" xmlns="" id="{0A7E1E7B-9F43-49CD-9784-065874D89CB2}"/>
+                <a16:creationId xmlns="" xmlns:a16="http://schemas.microsoft.com/office/drawing/2014/main" id="{0A7E1E7B-9F43-49CD-9784-065874D89CB2}"/>
               </a:ext>
             </a:extLst>
           </p:cNvPr>
@@ -2702,7 +3171,7 @@
           <p:cNvPr id="7" name="Foliennummernplatzhalter 6">
             <a:extLst>
               <a:ext uri="{FF2B5EF4-FFF2-40B4-BE49-F238E27FC236}">
-                <a16:creationId xmlns:a16="http://schemas.microsoft.com/office/drawing/2014/main" xmlns="" id="{E87D596E-2646-46B7-991C-79347E8C0E60}"/>
+                <a16:creationId xmlns="" xmlns:a16="http://schemas.microsoft.com/office/drawing/2014/main" id="{E87D596E-2646-46B7-991C-79347E8C0E60}"/>
               </a:ext>
             </a:extLst>
           </p:cNvPr>
@@ -2766,7 +3235,7 @@
           <p:cNvPr id="2" name="Titelplatzhalter 1">
             <a:extLst>
               <a:ext uri="{FF2B5EF4-FFF2-40B4-BE49-F238E27FC236}">
-                <a16:creationId xmlns:a16="http://schemas.microsoft.com/office/drawing/2014/main" xmlns="" id="{355E6687-A30C-4B26-B575-F1DBE0776BD5}"/>
+                <a16:creationId xmlns="" xmlns:a16="http://schemas.microsoft.com/office/drawing/2014/main" id="{355E6687-A30C-4B26-B575-F1DBE0776BD5}"/>
               </a:ext>
             </a:extLst>
           </p:cNvPr>
@@ -2804,7 +3273,7 @@
           <p:cNvPr id="3" name="Textplatzhalter 2">
             <a:extLst>
               <a:ext uri="{FF2B5EF4-FFF2-40B4-BE49-F238E27FC236}">
-                <a16:creationId xmlns:a16="http://schemas.microsoft.com/office/drawing/2014/main" xmlns="" id="{0D0B5311-8FE4-4B84-BB95-A0238A4D2137}"/>
+                <a16:creationId xmlns="" xmlns:a16="http://schemas.microsoft.com/office/drawing/2014/main" id="{0D0B5311-8FE4-4B84-BB95-A0238A4D2137}"/>
               </a:ext>
             </a:extLst>
           </p:cNvPr>
@@ -2871,7 +3340,7 @@
           <p:cNvPr id="4" name="Datumsplatzhalter 3">
             <a:extLst>
               <a:ext uri="{FF2B5EF4-FFF2-40B4-BE49-F238E27FC236}">
-                <a16:creationId xmlns:a16="http://schemas.microsoft.com/office/drawing/2014/main" xmlns="" id="{47B87D0F-B49A-4F63-A606-82F0631D970E}"/>
+                <a16:creationId xmlns="" xmlns:a16="http://schemas.microsoft.com/office/drawing/2014/main" id="{47B87D0F-B49A-4F63-A606-82F0631D970E}"/>
               </a:ext>
             </a:extLst>
           </p:cNvPr>
@@ -2907,7 +3376,7 @@
           <a:p>
             <a:fld id="{59E5149D-F675-4913-B166-7486BF79D3B7}" type="datetimeFigureOut">
               <a:rPr lang="de-DE" smtClean="0"/>
-              <a:t>10.05.20</a:t>
+              <a:t>12.05.20</a:t>
             </a:fld>
             <a:endParaRPr lang="de-DE"/>
           </a:p>
@@ -2918,7 +3387,7 @@
           <p:cNvPr id="5" name="Fußzeilenplatzhalter 4">
             <a:extLst>
               <a:ext uri="{FF2B5EF4-FFF2-40B4-BE49-F238E27FC236}">
-                <a16:creationId xmlns:a16="http://schemas.microsoft.com/office/drawing/2014/main" xmlns="" id="{1D280256-5505-4392-ADB8-21ECDADD0D06}"/>
+                <a16:creationId xmlns="" xmlns:a16="http://schemas.microsoft.com/office/drawing/2014/main" id="{1D280256-5505-4392-ADB8-21ECDADD0D06}"/>
               </a:ext>
             </a:extLst>
           </p:cNvPr>
@@ -2961,7 +3430,7 @@
           <p:cNvPr id="6" name="Foliennummernplatzhalter 5">
             <a:extLst>
               <a:ext uri="{FF2B5EF4-FFF2-40B4-BE49-F238E27FC236}">
-                <a16:creationId xmlns:a16="http://schemas.microsoft.com/office/drawing/2014/main" xmlns="" id="{F2007825-0304-4518-B2FE-7E1B11BB898C}"/>
+                <a16:creationId xmlns="" xmlns:a16="http://schemas.microsoft.com/office/drawing/2014/main" id="{F2007825-0304-4518-B2FE-7E1B11BB898C}"/>
               </a:ext>
             </a:extLst>
           </p:cNvPr>
@@ -3326,18 +3795,12 @@
       </p:grpSpPr>
       <p:sp>
         <p:nvSpPr>
-          <p:cNvPr id="3" name="Untertitel 2">
-            <a:extLst>
-              <a:ext uri="{FF2B5EF4-FFF2-40B4-BE49-F238E27FC236}">
-                <a16:creationId xmlns:a16="http://schemas.microsoft.com/office/drawing/2014/main" xmlns="" id="{C974CA17-2FFA-4B94-8242-09A0C81C09B9}"/>
-              </a:ext>
-            </a:extLst>
-          </p:cNvPr>
-          <p:cNvSpPr>
-            <a:spLocks noGrp="1"/>
-          </p:cNvSpPr>
-          <p:nvPr>
-            <p:ph type="subTitle" idx="1"/>
+          <p:cNvPr id="2" name="Titel 1"/>
+          <p:cNvSpPr>
+            <a:spLocks noGrp="1"/>
+          </p:cNvSpPr>
+          <p:nvPr>
+            <p:ph type="title"/>
           </p:nvPr>
         </p:nvSpPr>
         <p:spPr/>
@@ -3347,7 +3810,89 @@
           <a:p>
             <a:r>
               <a:rPr lang="de-DE" dirty="0" smtClean="0"/>
-              <a:t>Teil von Chris</a:t>
+              <a:t>Warum </a:t>
+            </a:r>
+            <a:r>
+              <a:rPr lang="de-DE" dirty="0" err="1" smtClean="0"/>
+              <a:t>ElectronJS</a:t>
+            </a:r>
+            <a:r>
+              <a:rPr lang="de-DE" dirty="0" smtClean="0"/>
+              <a:t>?</a:t>
+            </a:r>
+            <a:endParaRPr lang="de-DE" dirty="0"/>
+          </a:p>
+        </p:txBody>
+      </p:sp>
+      <p:sp>
+        <p:nvSpPr>
+          <p:cNvPr id="3" name="Inhaltsplatzhalter 2"/>
+          <p:cNvSpPr>
+            <a:spLocks noGrp="1"/>
+          </p:cNvSpPr>
+          <p:nvPr>
+            <p:ph idx="1"/>
+          </p:nvPr>
+        </p:nvSpPr>
+        <p:spPr/>
+        <p:txBody>
+          <a:bodyPr/>
+          <a:lstStyle/>
+          <a:p>
+            <a:r>
+              <a:rPr lang="de-DE" dirty="0" err="1" smtClean="0"/>
+              <a:t>Recap</a:t>
+            </a:r>
+            <a:r>
+              <a:rPr lang="de-DE" dirty="0" smtClean="0"/>
+              <a:t> </a:t>
+            </a:r>
+            <a:r>
+              <a:rPr lang="mr-IN" dirty="0" smtClean="0"/>
+              <a:t>–</a:t>
+            </a:r>
+            <a:r>
+              <a:rPr lang="de-DE" dirty="0" smtClean="0"/>
+              <a:t> Anforderungen:</a:t>
+            </a:r>
+          </a:p>
+          <a:p>
+            <a:endParaRPr lang="de-DE" dirty="0"/>
+          </a:p>
+          <a:p>
+            <a:pPr lvl="1"/>
+            <a:r>
+              <a:rPr lang="de-DE" dirty="0" smtClean="0"/>
+              <a:t>Desktop-App</a:t>
+            </a:r>
+          </a:p>
+          <a:p>
+            <a:pPr lvl="1"/>
+            <a:r>
+              <a:rPr lang="de-DE" dirty="0" smtClean="0"/>
+              <a:t>Plattformübergreifend</a:t>
+            </a:r>
+          </a:p>
+          <a:p>
+            <a:pPr lvl="1"/>
+            <a:r>
+              <a:rPr lang="de-DE" dirty="0" smtClean="0"/>
+              <a:t>Mit JavaScript, </a:t>
+            </a:r>
+            <a:r>
+              <a:rPr lang="de-DE" dirty="0" err="1" smtClean="0"/>
+              <a:t>TypeScript</a:t>
+            </a:r>
+            <a:r>
+              <a:rPr lang="de-DE" dirty="0" smtClean="0"/>
+              <a:t>, Stencil oder Java umsetzen</a:t>
+            </a:r>
+          </a:p>
+          <a:p>
+            <a:pPr lvl="1"/>
+            <a:r>
+              <a:rPr lang="de-DE" dirty="0" smtClean="0"/>
+              <a:t>Zugriff auf Dateisystem muss ermöglicht werden</a:t>
             </a:r>
             <a:endParaRPr lang="de-DE" dirty="0"/>
           </a:p>
@@ -3356,7 +3901,7 @@
     </p:spTree>
     <p:extLst>
       <p:ext uri="{BB962C8B-B14F-4D97-AF65-F5344CB8AC3E}">
-        <p14:creationId xmlns:p14="http://schemas.microsoft.com/office/powerpoint/2010/main" val="2480376737"/>
+        <p14:creationId xmlns:p14="http://schemas.microsoft.com/office/powerpoint/2010/main" val="341115634"/>
       </p:ext>
     </p:extLst>
   </p:cSld>
@@ -3383,9 +3928,40 @@
           <a:chExt cx="0" cy="0"/>
         </a:xfrm>
       </p:grpSpPr>
+      <p:sp>
+        <p:nvSpPr>
+          <p:cNvPr id="2" name="Titel 1"/>
+          <p:cNvSpPr>
+            <a:spLocks noGrp="1"/>
+          </p:cNvSpPr>
+          <p:nvPr>
+            <p:ph type="title"/>
+          </p:nvPr>
+        </p:nvSpPr>
+        <p:spPr/>
+        <p:txBody>
+          <a:bodyPr/>
+          <a:lstStyle/>
+          <a:p>
+            <a:r>
+              <a:rPr lang="de-DE" dirty="0" smtClean="0"/>
+              <a:t>Warum </a:t>
+            </a:r>
+            <a:r>
+              <a:rPr lang="de-DE" dirty="0" err="1" smtClean="0"/>
+              <a:t>ElectronJS</a:t>
+            </a:r>
+            <a:r>
+              <a:rPr lang="de-DE" dirty="0" smtClean="0"/>
+              <a:t>?</a:t>
+            </a:r>
+            <a:endParaRPr lang="de-DE" dirty="0"/>
+          </a:p>
+        </p:txBody>
+      </p:sp>
       <p:pic>
         <p:nvPicPr>
-          <p:cNvPr id="4" name="Inhaltsplatzhalter 3" descr="Bildschirmfoto 2020-05-10 um 13.20.19.png"/>
+          <p:cNvPr id="4" name="Inhaltsplatzhalter 3" descr="Bildschirmfoto 2020-05-12 um 15.27.50.png"/>
           <p:cNvPicPr>
             <a:picLocks noGrp="1" noChangeAspect="1"/>
           </p:cNvPicPr>
@@ -3394,72 +3970,27 @@
           </p:nvPr>
         </p:nvPicPr>
         <p:blipFill rotWithShape="1">
-          <a:blip r:embed="rId2">
+          <a:blip r:embed="rId3">
             <a:extLst>
               <a:ext uri="{28A0092B-C50C-407E-A947-70E740481C1C}">
                 <a14:useLocalDpi xmlns:a14="http://schemas.microsoft.com/office/drawing/2010/main" val="0"/>
               </a:ext>
             </a:extLst>
           </a:blip>
-          <a:srcRect l="-63" r="-129"/>
+          <a:srcRect l="1578" t="3870" r="4474" b="5049"/>
           <a:stretch/>
         </p:blipFill>
         <p:spPr>
           <a:xfrm>
-            <a:off x="1001371" y="2045423"/>
-            <a:ext cx="10196890" cy="3885954"/>
+            <a:off x="1092758" y="1284834"/>
+            <a:ext cx="9879119" cy="5567625"/>
           </a:xfrm>
         </p:spPr>
       </p:pic>
-      <p:sp>
-        <p:nvSpPr>
-          <p:cNvPr id="7" name="Textfeld 6"/>
-          <p:cNvSpPr txBox="1"/>
-          <p:nvPr/>
-        </p:nvSpPr>
-        <p:spPr>
-          <a:xfrm>
-            <a:off x="835980" y="510955"/>
-            <a:ext cx="10870351" cy="923330"/>
-          </a:xfrm>
-          <a:prstGeom prst="rect">
-            <a:avLst/>
-          </a:prstGeom>
-          <a:noFill/>
-        </p:spPr>
-        <p:txBody>
-          <a:bodyPr wrap="square" rtlCol="0">
-            <a:spAutoFit/>
-          </a:bodyPr>
-          <a:lstStyle/>
-          <a:p>
-            <a:r>
-              <a:rPr lang="de-DE" dirty="0"/>
-              <a:t>User Story: Als User möchte ich eine Excel-Datei, die Noten enthält, in </a:t>
-            </a:r>
-            <a:r>
-              <a:rPr lang="de-DE" dirty="0" err="1"/>
-              <a:t>Moodle</a:t>
-            </a:r>
-            <a:r>
-              <a:rPr lang="de-DE" dirty="0"/>
-              <a:t> importieren, damit ich die in Excel stehenden Noten dem in </a:t>
-            </a:r>
-            <a:r>
-              <a:rPr lang="de-DE" dirty="0" err="1"/>
-              <a:t>Moodle</a:t>
-            </a:r>
-            <a:r>
-              <a:rPr lang="de-DE" dirty="0"/>
-              <a:t> hinterlegten Studenten für eine bestimmte Leistungserhebung nicht alle einzeln eintragen muss.</a:t>
-            </a:r>
-          </a:p>
-        </p:txBody>
-      </p:sp>
     </p:spTree>
     <p:extLst>
       <p:ext uri="{BB962C8B-B14F-4D97-AF65-F5344CB8AC3E}">
-        <p14:creationId xmlns:p14="http://schemas.microsoft.com/office/powerpoint/2010/main" val="3180874217"/>
+        <p14:creationId xmlns:p14="http://schemas.microsoft.com/office/powerpoint/2010/main" val="1710295915"/>
       </p:ext>
     </p:extLst>
   </p:cSld>
@@ -3486,169 +4017,95 @@
           <a:chExt cx="0" cy="0"/>
         </a:xfrm>
       </p:grpSpPr>
-      <p:pic>
-        <p:nvPicPr>
-          <p:cNvPr id="4" name="Inhaltsplatzhalter 3"/>
-          <p:cNvPicPr>
-            <a:picLocks noGrp="1" noChangeAspect="1"/>
-          </p:cNvPicPr>
+      <p:sp>
+        <p:nvSpPr>
+          <p:cNvPr id="2" name="Titel 1"/>
+          <p:cNvSpPr>
+            <a:spLocks noGrp="1"/>
+          </p:cNvSpPr>
+          <p:nvPr>
+            <p:ph type="title"/>
+          </p:nvPr>
+        </p:nvSpPr>
+        <p:spPr/>
+        <p:txBody>
+          <a:bodyPr/>
+          <a:lstStyle/>
+          <a:p>
+            <a:r>
+              <a:rPr lang="de-DE" dirty="0" smtClean="0"/>
+              <a:t>Quellen	</a:t>
+            </a:r>
+            <a:endParaRPr lang="de-DE" dirty="0"/>
+          </a:p>
+        </p:txBody>
+      </p:sp>
+      <p:sp>
+        <p:nvSpPr>
+          <p:cNvPr id="3" name="Inhaltsplatzhalter 2"/>
+          <p:cNvSpPr>
+            <a:spLocks noGrp="1"/>
+          </p:cNvSpPr>
           <p:nvPr>
             <p:ph idx="1"/>
           </p:nvPr>
-        </p:nvPicPr>
-        <p:blipFill>
-          <a:blip r:embed="rId2">
-            <a:extLst>
-              <a:ext uri="{28A0092B-C50C-407E-A947-70E740481C1C}">
-                <a14:useLocalDpi xmlns:a14="http://schemas.microsoft.com/office/drawing/2010/main" val="0"/>
-              </a:ext>
-            </a:extLst>
-          </a:blip>
-          <a:stretch>
-            <a:fillRect/>
-          </a:stretch>
-        </p:blipFill>
-        <p:spPr>
-          <a:xfrm>
-            <a:off x="1546879" y="2082056"/>
-            <a:ext cx="9057026" cy="3885954"/>
-          </a:xfrm>
-        </p:spPr>
-      </p:pic>
-      <p:sp>
-        <p:nvSpPr>
-          <p:cNvPr id="3" name="Textfeld 2"/>
-          <p:cNvSpPr txBox="1"/>
-          <p:nvPr/>
-        </p:nvSpPr>
-        <p:spPr>
-          <a:xfrm>
-            <a:off x="835980" y="510955"/>
-            <a:ext cx="10870351" cy="646331"/>
-          </a:xfrm>
-          <a:prstGeom prst="rect">
-            <a:avLst/>
-          </a:prstGeom>
-          <a:noFill/>
-        </p:spPr>
-        <p:txBody>
-          <a:bodyPr wrap="square" rtlCol="0">
-            <a:spAutoFit/>
-          </a:bodyPr>
-          <a:lstStyle/>
-          <a:p>
+        </p:nvSpPr>
+        <p:spPr/>
+        <p:txBody>
+          <a:bodyPr/>
+          <a:lstStyle/>
+          <a:p>
+            <a:r>
+              <a:rPr lang="de-DE" dirty="0">
+                <a:hlinkClick r:id="rId2"/>
+              </a:rPr>
+              <a:t>https://brainhub.eu/blog/javascript-frameworks-for-desktop-apps</a:t>
+            </a:r>
+            <a:r>
+              <a:rPr lang="de-DE" dirty="0" smtClean="0">
+                <a:hlinkClick r:id="rId2"/>
+              </a:rPr>
+              <a:t>/</a:t>
+            </a:r>
             <a:r>
               <a:rPr lang="de-DE" dirty="0" smtClean="0"/>
-              <a:t>User Story: Als </a:t>
+              <a:t> (aufgerufen am 12.05.20)</a:t>
+            </a:r>
+          </a:p>
+          <a:p>
+            <a:r>
+              <a:rPr lang="de-DE" dirty="0">
+                <a:hlinkClick r:id="rId3"/>
+              </a:rPr>
+              <a:t>https://www.electronjs.org</a:t>
+            </a:r>
+            <a:r>
+              <a:rPr lang="de-DE" dirty="0" smtClean="0">
+                <a:hlinkClick r:id="rId3"/>
+              </a:rPr>
+              <a:t>/</a:t>
+            </a:r>
+            <a:r>
+              <a:rPr lang="de-DE" dirty="0" smtClean="0"/>
+              <a:t> </a:t>
             </a:r>
             <a:r>
               <a:rPr lang="de-DE" dirty="0"/>
-              <a:t>User möchte ich mich über die Anwendung in </a:t>
-            </a:r>
-            <a:r>
-              <a:rPr lang="de-DE" dirty="0" err="1"/>
-              <a:t>Moodle</a:t>
-            </a:r>
-            <a:r>
-              <a:rPr lang="de-DE" dirty="0"/>
-              <a:t> einloggen können, damit ich dann von dort aus den Import starten kann.</a:t>
-            </a:r>
+              <a:t>(aufgerufen am 12.05.20)</a:t>
+            </a:r>
+          </a:p>
+          <a:p>
+            <a:endParaRPr lang="de-DE" dirty="0" smtClean="0"/>
+          </a:p>
+          <a:p>
+            <a:endParaRPr lang="de-DE" dirty="0"/>
           </a:p>
         </p:txBody>
       </p:sp>
     </p:spTree>
     <p:extLst>
       <p:ext uri="{BB962C8B-B14F-4D97-AF65-F5344CB8AC3E}">
-        <p14:creationId xmlns:p14="http://schemas.microsoft.com/office/powerpoint/2010/main" val="671792081"/>
-      </p:ext>
-    </p:extLst>
-  </p:cSld>
-  <p:clrMapOvr>
-    <a:masterClrMapping/>
-  </p:clrMapOvr>
-</p:sld>
-</file>
-
-<file path=ppt/slides/slide4.xml><?xml version="1.0" encoding="utf-8"?>
-<p:sld xmlns:a="http://schemas.openxmlformats.org/drawingml/2006/main" xmlns:r="http://schemas.openxmlformats.org/officeDocument/2006/relationships" xmlns:p="http://schemas.openxmlformats.org/presentationml/2006/main">
-  <p:cSld>
-    <p:spTree>
-      <p:nvGrpSpPr>
-        <p:cNvPr id="1" name=""/>
-        <p:cNvGrpSpPr/>
-        <p:nvPr/>
-      </p:nvGrpSpPr>
-      <p:grpSpPr>
-        <a:xfrm>
-          <a:off x="0" y="0"/>
-          <a:ext cx="0" cy="0"/>
-          <a:chOff x="0" y="0"/>
-          <a:chExt cx="0" cy="0"/>
-        </a:xfrm>
-      </p:grpSpPr>
-      <p:pic>
-        <p:nvPicPr>
-          <p:cNvPr id="4" name="Inhaltsplatzhalter 3"/>
-          <p:cNvPicPr>
-            <a:picLocks noGrp="1" noChangeAspect="1"/>
-          </p:cNvPicPr>
-          <p:nvPr>
-            <p:ph idx="1"/>
-          </p:nvPr>
-        </p:nvPicPr>
-        <p:blipFill>
-          <a:blip r:embed="rId2">
-            <a:extLst>
-              <a:ext uri="{28A0092B-C50C-407E-A947-70E740481C1C}">
-                <a14:useLocalDpi xmlns:a14="http://schemas.microsoft.com/office/drawing/2010/main" val="0"/>
-              </a:ext>
-            </a:extLst>
-          </a:blip>
-          <a:stretch>
-            <a:fillRect/>
-          </a:stretch>
-        </p:blipFill>
-        <p:spPr>
-          <a:xfrm>
-            <a:off x="1001371" y="570459"/>
-            <a:ext cx="10196890" cy="2635300"/>
-          </a:xfrm>
-        </p:spPr>
-      </p:pic>
-      <p:pic>
-        <p:nvPicPr>
-          <p:cNvPr id="3" name="Inhaltsplatzhalter 3"/>
-          <p:cNvPicPr>
-            <a:picLocks noChangeAspect="1"/>
-          </p:cNvPicPr>
-          <p:nvPr/>
-        </p:nvPicPr>
-        <p:blipFill>
-          <a:blip r:embed="rId3">
-            <a:extLst>
-              <a:ext uri="{28A0092B-C50C-407E-A947-70E740481C1C}">
-                <a14:useLocalDpi xmlns:a14="http://schemas.microsoft.com/office/drawing/2010/main" val="0"/>
-              </a:ext>
-            </a:extLst>
-          </a:blip>
-          <a:stretch>
-            <a:fillRect/>
-          </a:stretch>
-        </p:blipFill>
-        <p:spPr>
-          <a:xfrm>
-            <a:off x="1595100" y="3623208"/>
-            <a:ext cx="9009431" cy="2635300"/>
-          </a:xfrm>
-          <a:prstGeom prst="rect">
-            <a:avLst/>
-          </a:prstGeom>
-        </p:spPr>
-      </p:pic>
-    </p:spTree>
-    <p:extLst>
-      <p:ext uri="{BB962C8B-B14F-4D97-AF65-F5344CB8AC3E}">
-        <p14:creationId xmlns:p14="http://schemas.microsoft.com/office/powerpoint/2010/main" val="1231723733"/>
+        <p14:creationId xmlns:p14="http://schemas.microsoft.com/office/powerpoint/2010/main" val="576396119"/>
       </p:ext>
     </p:extLst>
   </p:cSld>
@@ -3947,8 +4404,328 @@
   <a:extraClrSchemeLst/>
   <a:extLst>
     <a:ext uri="{05A4C25C-085E-4340-85A3-A5531E510DB2}">
-      <thm15:themeFamily xmlns:thm15="http://schemas.microsoft.com/office/thememl/2012/main" xmlns="" name="Office Theme" id="{62F939B6-93AF-4DB8-9C6B-D6C7DFDC589F}" vid="{4A3C46E8-61CC-4603-A589-7422A47A8E4A}"/>
+      <thm15:themeFamily xmlns="" xmlns:thm15="http://schemas.microsoft.com/office/thememl/2012/main" name="Office Theme" id="{62F939B6-93AF-4DB8-9C6B-D6C7DFDC589F}" vid="{4A3C46E8-61CC-4603-A589-7422A47A8E4A}"/>
     </a:ext>
   </a:extLst>
 </a:theme>
+</file>
+
+<file path=ppt/theme/theme2.xml><?xml version="1.0" encoding="utf-8"?>
+<a:theme xmlns:a="http://schemas.openxmlformats.org/drawingml/2006/main" name="Office-Design">
+  <a:themeElements>
+    <a:clrScheme name="Office">
+      <a:dk1>
+        <a:sysClr val="windowText" lastClr="000000"/>
+      </a:dk1>
+      <a:lt1>
+        <a:sysClr val="window" lastClr="FFFFFF"/>
+      </a:lt1>
+      <a:dk2>
+        <a:srgbClr val="1F497D"/>
+      </a:dk2>
+      <a:lt2>
+        <a:srgbClr val="EEECE1"/>
+      </a:lt2>
+      <a:accent1>
+        <a:srgbClr val="4F81BD"/>
+      </a:accent1>
+      <a:accent2>
+        <a:srgbClr val="C0504D"/>
+      </a:accent2>
+      <a:accent3>
+        <a:srgbClr val="9BBB59"/>
+      </a:accent3>
+      <a:accent4>
+        <a:srgbClr val="8064A2"/>
+      </a:accent4>
+      <a:accent5>
+        <a:srgbClr val="4BACC6"/>
+      </a:accent5>
+      <a:accent6>
+        <a:srgbClr val="F79646"/>
+      </a:accent6>
+      <a:hlink>
+        <a:srgbClr val="0000FF"/>
+      </a:hlink>
+      <a:folHlink>
+        <a:srgbClr val="800080"/>
+      </a:folHlink>
+    </a:clrScheme>
+    <a:fontScheme name="Office">
+      <a:majorFont>
+        <a:latin typeface="Calibri"/>
+        <a:ea typeface=""/>
+        <a:cs typeface=""/>
+        <a:font script="Jpan" typeface="ＭＳ Ｐゴシック"/>
+        <a:font script="Hang" typeface="맑은 고딕"/>
+        <a:font script="Hans" typeface="宋体"/>
+        <a:font script="Hant" typeface="新細明體"/>
+        <a:font script="Arab" typeface="Times New Roman"/>
+        <a:font script="Hebr" typeface="Times New Roman"/>
+        <a:font script="Thai" typeface="Angsana New"/>
+        <a:font script="Ethi" typeface="Nyala"/>
+        <a:font script="Beng" typeface="Vrinda"/>
+        <a:font script="Gujr" typeface="Shruti"/>
+        <a:font script="Khmr" typeface="MoolBoran"/>
+        <a:font script="Knda" typeface="Tunga"/>
+        <a:font script="Guru" typeface="Raavi"/>
+        <a:font script="Cans" typeface="Euphemia"/>
+        <a:font script="Cher" typeface="Plantagenet Cherokee"/>
+        <a:font script="Yiii" typeface="Microsoft Yi Baiti"/>
+        <a:font script="Tibt" typeface="Microsoft Himalaya"/>
+        <a:font script="Thaa" typeface="MV Boli"/>
+        <a:font script="Deva" typeface="Mangal"/>
+        <a:font script="Telu" typeface="Gautami"/>
+        <a:font script="Taml" typeface="Latha"/>
+        <a:font script="Syrc" typeface="Estrangelo Edessa"/>
+        <a:font script="Orya" typeface="Kalinga"/>
+        <a:font script="Mlym" typeface="Kartika"/>
+        <a:font script="Laoo" typeface="DokChampa"/>
+        <a:font script="Sinh" typeface="Iskoola Pota"/>
+        <a:font script="Mong" typeface="Mongolian Baiti"/>
+        <a:font script="Viet" typeface="Times New Roman"/>
+        <a:font script="Uigh" typeface="Microsoft Uighur"/>
+        <a:font script="Geor" typeface="Sylfaen"/>
+      </a:majorFont>
+      <a:minorFont>
+        <a:latin typeface="Calibri"/>
+        <a:ea typeface=""/>
+        <a:cs typeface=""/>
+        <a:font script="Jpan" typeface="ＭＳ Ｐゴシック"/>
+        <a:font script="Hang" typeface="맑은 고딕"/>
+        <a:font script="Hans" typeface="宋体"/>
+        <a:font script="Hant" typeface="新細明體"/>
+        <a:font script="Arab" typeface="Arial"/>
+        <a:font script="Hebr" typeface="Arial"/>
+        <a:font script="Thai" typeface="Cordia New"/>
+        <a:font script="Ethi" typeface="Nyala"/>
+        <a:font script="Beng" typeface="Vrinda"/>
+        <a:font script="Gujr" typeface="Shruti"/>
+        <a:font script="Khmr" typeface="DaunPenh"/>
+        <a:font script="Knda" typeface="Tunga"/>
+        <a:font script="Guru" typeface="Raavi"/>
+        <a:font script="Cans" typeface="Euphemia"/>
+        <a:font script="Cher" typeface="Plantagenet Cherokee"/>
+        <a:font script="Yiii" typeface="Microsoft Yi Baiti"/>
+        <a:font script="Tibt" typeface="Microsoft Himalaya"/>
+        <a:font script="Thaa" typeface="MV Boli"/>
+        <a:font script="Deva" typeface="Mangal"/>
+        <a:font script="Telu" typeface="Gautami"/>
+        <a:font script="Taml" typeface="Latha"/>
+        <a:font script="Syrc" typeface="Estrangelo Edessa"/>
+        <a:font script="Orya" typeface="Kalinga"/>
+        <a:font script="Mlym" typeface="Kartika"/>
+        <a:font script="Laoo" typeface="DokChampa"/>
+        <a:font script="Sinh" typeface="Iskoola Pota"/>
+        <a:font script="Mong" typeface="Mongolian Baiti"/>
+        <a:font script="Viet" typeface="Arial"/>
+        <a:font script="Uigh" typeface="Microsoft Uighur"/>
+        <a:font script="Geor" typeface="Sylfaen"/>
+      </a:minorFont>
+    </a:fontScheme>
+    <a:fmtScheme name="Office">
+      <a:fillStyleLst>
+        <a:solidFill>
+          <a:schemeClr val="phClr"/>
+        </a:solidFill>
+        <a:gradFill rotWithShape="1">
+          <a:gsLst>
+            <a:gs pos="0">
+              <a:schemeClr val="phClr">
+                <a:tint val="50000"/>
+                <a:satMod val="300000"/>
+              </a:schemeClr>
+            </a:gs>
+            <a:gs pos="35000">
+              <a:schemeClr val="phClr">
+                <a:tint val="37000"/>
+                <a:satMod val="300000"/>
+              </a:schemeClr>
+            </a:gs>
+            <a:gs pos="100000">
+              <a:schemeClr val="phClr">
+                <a:tint val="15000"/>
+                <a:satMod val="350000"/>
+              </a:schemeClr>
+            </a:gs>
+          </a:gsLst>
+          <a:lin ang="16200000" scaled="1"/>
+        </a:gradFill>
+        <a:gradFill rotWithShape="1">
+          <a:gsLst>
+            <a:gs pos="0">
+              <a:schemeClr val="phClr">
+                <a:tint val="100000"/>
+                <a:shade val="100000"/>
+                <a:satMod val="130000"/>
+              </a:schemeClr>
+            </a:gs>
+            <a:gs pos="100000">
+              <a:schemeClr val="phClr">
+                <a:tint val="50000"/>
+                <a:shade val="100000"/>
+                <a:satMod val="350000"/>
+              </a:schemeClr>
+            </a:gs>
+          </a:gsLst>
+          <a:lin ang="16200000" scaled="0"/>
+        </a:gradFill>
+      </a:fillStyleLst>
+      <a:lnStyleLst>
+        <a:ln w="9525" cap="flat" cmpd="sng" algn="ctr">
+          <a:solidFill>
+            <a:schemeClr val="phClr">
+              <a:shade val="95000"/>
+              <a:satMod val="105000"/>
+            </a:schemeClr>
+          </a:solidFill>
+          <a:prstDash val="solid"/>
+        </a:ln>
+        <a:ln w="25400" cap="flat" cmpd="sng" algn="ctr">
+          <a:solidFill>
+            <a:schemeClr val="phClr"/>
+          </a:solidFill>
+          <a:prstDash val="solid"/>
+        </a:ln>
+        <a:ln w="38100" cap="flat" cmpd="sng" algn="ctr">
+          <a:solidFill>
+            <a:schemeClr val="phClr"/>
+          </a:solidFill>
+          <a:prstDash val="solid"/>
+        </a:ln>
+      </a:lnStyleLst>
+      <a:effectStyleLst>
+        <a:effectStyle>
+          <a:effectLst>
+            <a:outerShdw blurRad="40000" dist="20000" dir="5400000" rotWithShape="0">
+              <a:srgbClr val="000000">
+                <a:alpha val="38000"/>
+              </a:srgbClr>
+            </a:outerShdw>
+          </a:effectLst>
+        </a:effectStyle>
+        <a:effectStyle>
+          <a:effectLst>
+            <a:outerShdw blurRad="40000" dist="23000" dir="5400000" rotWithShape="0">
+              <a:srgbClr val="000000">
+                <a:alpha val="35000"/>
+              </a:srgbClr>
+            </a:outerShdw>
+          </a:effectLst>
+        </a:effectStyle>
+        <a:effectStyle>
+          <a:effectLst>
+            <a:outerShdw blurRad="40000" dist="23000" dir="5400000" rotWithShape="0">
+              <a:srgbClr val="000000">
+                <a:alpha val="35000"/>
+              </a:srgbClr>
+            </a:outerShdw>
+          </a:effectLst>
+          <a:scene3d>
+            <a:camera prst="orthographicFront">
+              <a:rot lat="0" lon="0" rev="0"/>
+            </a:camera>
+            <a:lightRig rig="threePt" dir="t">
+              <a:rot lat="0" lon="0" rev="1200000"/>
+            </a:lightRig>
+          </a:scene3d>
+          <a:sp3d>
+            <a:bevelT w="63500" h="25400"/>
+          </a:sp3d>
+        </a:effectStyle>
+      </a:effectStyleLst>
+      <a:bgFillStyleLst>
+        <a:solidFill>
+          <a:schemeClr val="phClr"/>
+        </a:solidFill>
+        <a:gradFill rotWithShape="1">
+          <a:gsLst>
+            <a:gs pos="0">
+              <a:schemeClr val="phClr">
+                <a:tint val="40000"/>
+                <a:satMod val="350000"/>
+              </a:schemeClr>
+            </a:gs>
+            <a:gs pos="40000">
+              <a:schemeClr val="phClr">
+                <a:tint val="45000"/>
+                <a:shade val="99000"/>
+                <a:satMod val="350000"/>
+              </a:schemeClr>
+            </a:gs>
+            <a:gs pos="100000">
+              <a:schemeClr val="phClr">
+                <a:shade val="20000"/>
+                <a:satMod val="255000"/>
+              </a:schemeClr>
+            </a:gs>
+          </a:gsLst>
+          <a:path path="circle">
+            <a:fillToRect l="50000" t="-80000" r="50000" b="180000"/>
+          </a:path>
+        </a:gradFill>
+        <a:gradFill rotWithShape="1">
+          <a:gsLst>
+            <a:gs pos="0">
+              <a:schemeClr val="phClr">
+                <a:tint val="80000"/>
+                <a:satMod val="300000"/>
+              </a:schemeClr>
+            </a:gs>
+            <a:gs pos="100000">
+              <a:schemeClr val="phClr">
+                <a:shade val="30000"/>
+                <a:satMod val="200000"/>
+              </a:schemeClr>
+            </a:gs>
+          </a:gsLst>
+          <a:path path="circle">
+            <a:fillToRect l="50000" t="50000" r="50000" b="50000"/>
+          </a:path>
+        </a:gradFill>
+      </a:bgFillStyleLst>
+    </a:fmtScheme>
+  </a:themeElements>
+  <a:objectDefaults>
+    <a:spDef>
+      <a:spPr/>
+      <a:bodyPr/>
+      <a:lstStyle/>
+      <a:style>
+        <a:lnRef idx="1">
+          <a:schemeClr val="accent1"/>
+        </a:lnRef>
+        <a:fillRef idx="3">
+          <a:schemeClr val="accent1"/>
+        </a:fillRef>
+        <a:effectRef idx="2">
+          <a:schemeClr val="accent1"/>
+        </a:effectRef>
+        <a:fontRef idx="minor">
+          <a:schemeClr val="lt1"/>
+        </a:fontRef>
+      </a:style>
+    </a:spDef>
+    <a:lnDef>
+      <a:spPr/>
+      <a:bodyPr/>
+      <a:lstStyle/>
+      <a:style>
+        <a:lnRef idx="2">
+          <a:schemeClr val="accent1"/>
+        </a:lnRef>
+        <a:fillRef idx="0">
+          <a:schemeClr val="accent1"/>
+        </a:fillRef>
+        <a:effectRef idx="1">
+          <a:schemeClr val="accent1"/>
+        </a:effectRef>
+        <a:fontRef idx="minor">
+          <a:schemeClr val="tx1"/>
+        </a:fontRef>
+      </a:style>
+    </a:lnDef>
+  </a:objectDefaults>
+  <a:extraClrSchemeLst/>
+</a:theme>
 </file>